--- a/talk/Windays15 - ASP.net v.5 (vNext) on Linux and Mac OSX.pptx
+++ b/talk/Windays15 - ASP.net v.5 (vNext) on Linux and Mac OSX.pptx
@@ -5,7 +5,7 @@
     <p:sldMasterId id="2147483648" r:id="rId1"/>
   </p:sldMasterIdLst>
   <p:notesMasterIdLst>
-    <p:notesMasterId r:id="rId17"/>
+    <p:notesMasterId r:id="rId20"/>
   </p:notesMasterIdLst>
   <p:sldIdLst>
     <p:sldId id="378" r:id="rId2"/>
@@ -14,15 +14,18 @@
     <p:sldId id="380" r:id="rId5"/>
     <p:sldId id="381" r:id="rId6"/>
     <p:sldId id="389" r:id="rId7"/>
-    <p:sldId id="387" r:id="rId8"/>
-    <p:sldId id="388" r:id="rId9"/>
-    <p:sldId id="391" r:id="rId10"/>
-    <p:sldId id="390" r:id="rId11"/>
-    <p:sldId id="382" r:id="rId12"/>
-    <p:sldId id="384" r:id="rId13"/>
-    <p:sldId id="385" r:id="rId14"/>
-    <p:sldId id="386" r:id="rId15"/>
-    <p:sldId id="383" r:id="rId16"/>
+    <p:sldId id="394" r:id="rId8"/>
+    <p:sldId id="387" r:id="rId9"/>
+    <p:sldId id="388" r:id="rId10"/>
+    <p:sldId id="391" r:id="rId11"/>
+    <p:sldId id="390" r:id="rId12"/>
+    <p:sldId id="392" r:id="rId13"/>
+    <p:sldId id="393" r:id="rId14"/>
+    <p:sldId id="382" r:id="rId15"/>
+    <p:sldId id="384" r:id="rId16"/>
+    <p:sldId id="385" r:id="rId17"/>
+    <p:sldId id="386" r:id="rId18"/>
+    <p:sldId id="383" r:id="rId19"/>
   </p:sldIdLst>
   <p:sldSz cx="9144000" cy="5143500" type="screen16x9"/>
   <p:notesSz cx="6858000" cy="9144000"/>
@@ -123,7 +126,7 @@
   </p:defaultTextStyle>
   <p:extLst>
     <p:ext uri="{EFAFB233-063F-42B5-8137-9DF3F51BA10A}">
-      <p15:sldGuideLst xmlns="" xmlns:p15="http://schemas.microsoft.com/office/powerpoint/2012/main">
+      <p15:sldGuideLst xmlns:p15="http://schemas.microsoft.com/office/powerpoint/2012/main" xmlns="">
         <p15:guide id="1" orient="horz" pos="1620">
           <p15:clr>
             <a:srgbClr val="A4A3A4"/>
@@ -567,7 +570,7 @@
           <a:p>
             <a:fld id="{1DDBDB10-AD5A-47B9-BE34-A4DD7D252074}" type="slidenum">
               <a:rPr lang="hr-HR" smtClean="0"/>
-              <a:t>14</a:t>
+              <a:t>17</a:t>
             </a:fld>
             <a:endParaRPr lang="hr-HR"/>
           </a:p>
@@ -8721,7 +8724,7 @@
       </p:grpSpPr>
       <p:sp>
         <p:nvSpPr>
-          <p:cNvPr id="3" name="Title 2"/>
+          <p:cNvPr id="4" name="Title 3"/>
           <p:cNvSpPr>
             <a:spLocks noGrp="1"/>
           </p:cNvSpPr>
@@ -8731,14 +8734,12 @@
         </p:nvSpPr>
         <p:spPr/>
         <p:txBody>
-          <a:bodyPr>
-            <a:normAutofit/>
-          </a:bodyPr>
+          <a:bodyPr/>
           <a:lstStyle/>
           <a:p>
             <a:r>
               <a:rPr lang="en-US" dirty="0" smtClean="0"/>
-              <a:t>Servers</a:t>
+              <a:t>Package Manager</a:t>
             </a:r>
             <a:endParaRPr lang="en-CA" dirty="0"/>
           </a:p>
@@ -8746,31 +8747,39 @@
       </p:sp>
       <p:sp>
         <p:nvSpPr>
-          <p:cNvPr id="4" name="Text Placeholder 3"/>
+          <p:cNvPr id="10" name="Content Placeholder 9"/>
           <p:cNvSpPr>
             <a:spLocks noGrp="1"/>
           </p:cNvSpPr>
           <p:nvPr>
-            <p:ph type="body" idx="1"/>
+            <p:ph sz="quarter" idx="4"/>
           </p:nvPr>
         </p:nvSpPr>
-        <p:spPr/>
+        <p:spPr>
+          <a:xfrm>
+            <a:off x="395536" y="1203598"/>
+            <a:ext cx="8352928" cy="2963466"/>
+          </a:xfrm>
+        </p:spPr>
         <p:txBody>
           <a:bodyPr/>
           <a:lstStyle/>
           <a:p>
             <a:r>
-              <a:rPr lang="hr-HR" dirty="0" smtClean="0"/>
-              <a:t>Sub theme of presentation</a:t>
-            </a:r>
-            <a:endParaRPr lang="en-CA" dirty="0"/>
+              <a:rPr lang="en-US" dirty="0" err="1" smtClean="0"/>
+              <a:t>kpm</a:t>
+            </a:r>
+            <a:endParaRPr lang="en-US" dirty="0" smtClean="0"/>
+          </a:p>
+          <a:p>
+            <a:endParaRPr lang="en-US" dirty="0"/>
           </a:p>
         </p:txBody>
       </p:sp>
     </p:spTree>
     <p:extLst>
       <p:ext uri="{BB962C8B-B14F-4D97-AF65-F5344CB8AC3E}">
-        <p14:creationId xmlns:p14="http://schemas.microsoft.com/office/powerpoint/2010/main" val="1205157762"/>
+        <p14:creationId xmlns:p14="http://schemas.microsoft.com/office/powerpoint/2010/main" val="918980217"/>
       </p:ext>
     </p:extLst>
   </p:cSld>
@@ -8818,6 +8827,390 @@
       </p:grpSpPr>
       <p:sp>
         <p:nvSpPr>
+          <p:cNvPr id="3" name="Title 2"/>
+          <p:cNvSpPr>
+            <a:spLocks noGrp="1"/>
+          </p:cNvSpPr>
+          <p:nvPr>
+            <p:ph type="title"/>
+          </p:nvPr>
+        </p:nvSpPr>
+        <p:spPr/>
+        <p:txBody>
+          <a:bodyPr>
+            <a:normAutofit/>
+          </a:bodyPr>
+          <a:lstStyle/>
+          <a:p>
+            <a:r>
+              <a:rPr lang="en-US" dirty="0" smtClean="0"/>
+              <a:t>Servers</a:t>
+            </a:r>
+            <a:endParaRPr lang="en-CA" dirty="0"/>
+          </a:p>
+        </p:txBody>
+      </p:sp>
+      <p:sp>
+        <p:nvSpPr>
+          <p:cNvPr id="4" name="Text Placeholder 3"/>
+          <p:cNvSpPr>
+            <a:spLocks noGrp="1"/>
+          </p:cNvSpPr>
+          <p:nvPr>
+            <p:ph type="body" idx="1"/>
+          </p:nvPr>
+        </p:nvSpPr>
+        <p:spPr/>
+        <p:txBody>
+          <a:bodyPr/>
+          <a:lstStyle/>
+          <a:p>
+            <a:r>
+              <a:rPr lang="hr-HR" dirty="0" smtClean="0"/>
+              <a:t>Sub theme of presentation</a:t>
+            </a:r>
+            <a:endParaRPr lang="en-CA" dirty="0"/>
+          </a:p>
+        </p:txBody>
+      </p:sp>
+    </p:spTree>
+    <p:extLst>
+      <p:ext uri="{BB962C8B-B14F-4D97-AF65-F5344CB8AC3E}">
+        <p14:creationId xmlns:p14="http://schemas.microsoft.com/office/powerpoint/2010/main" val="1205157762"/>
+      </p:ext>
+    </p:extLst>
+  </p:cSld>
+  <p:clrMapOvr>
+    <a:masterClrMapping/>
+  </p:clrMapOvr>
+  <mc:AlternateContent xmlns:mc="http://schemas.openxmlformats.org/markup-compatibility/2006" xmlns:p14="http://schemas.microsoft.com/office/powerpoint/2010/main">
+    <mc:Choice Requires="p14">
+      <p:transition spd="slow" p14:dur="1600">
+        <p14:gallery dir="l"/>
+      </p:transition>
+    </mc:Choice>
+    <mc:Fallback xmlns="">
+      <p:transition spd="slow">
+        <p:fade/>
+      </p:transition>
+    </mc:Fallback>
+  </mc:AlternateContent>
+  <p:timing>
+    <p:tnLst>
+      <p:par>
+        <p:cTn id="1" dur="indefinite" restart="never" nodeType="tmRoot"/>
+      </p:par>
+    </p:tnLst>
+  </p:timing>
+</p:sld>
+</file>
+
+<file path=ppt/slides/slide12.xml><?xml version="1.0" encoding="utf-8"?>
+<p:sld xmlns:a="http://schemas.openxmlformats.org/drawingml/2006/main" xmlns:r="http://schemas.openxmlformats.org/officeDocument/2006/relationships" xmlns:p="http://schemas.openxmlformats.org/presentationml/2006/main">
+  <p:cSld>
+    <p:spTree>
+      <p:nvGrpSpPr>
+        <p:cNvPr id="1" name=""/>
+        <p:cNvGrpSpPr/>
+        <p:nvPr/>
+      </p:nvGrpSpPr>
+      <p:grpSpPr>
+        <a:xfrm>
+          <a:off x="0" y="0"/>
+          <a:ext cx="0" cy="0"/>
+          <a:chOff x="0" y="0"/>
+          <a:chExt cx="0" cy="0"/>
+        </a:xfrm>
+      </p:grpSpPr>
+      <p:sp>
+        <p:nvSpPr>
+          <p:cNvPr id="4" name="Title 3"/>
+          <p:cNvSpPr>
+            <a:spLocks noGrp="1"/>
+          </p:cNvSpPr>
+          <p:nvPr>
+            <p:ph type="title"/>
+          </p:nvPr>
+        </p:nvSpPr>
+        <p:spPr/>
+        <p:txBody>
+          <a:bodyPr/>
+          <a:lstStyle/>
+          <a:p>
+            <a:r>
+              <a:rPr lang="en-US" dirty="0" smtClean="0"/>
+              <a:t>Servers </a:t>
+            </a:r>
+            <a:r>
+              <a:rPr lang="en-US" dirty="0" err="1" smtClean="0"/>
+              <a:t>NoWin.vNext</a:t>
+            </a:r>
+            <a:endParaRPr lang="en-CA" dirty="0"/>
+          </a:p>
+        </p:txBody>
+      </p:sp>
+      <p:sp>
+        <p:nvSpPr>
+          <p:cNvPr id="3" name="Content Placeholder 2"/>
+          <p:cNvSpPr>
+            <a:spLocks noGrp="1"/>
+          </p:cNvSpPr>
+          <p:nvPr>
+            <p:ph sz="half" idx="2"/>
+          </p:nvPr>
+        </p:nvSpPr>
+        <p:spPr>
+          <a:xfrm>
+            <a:off x="467544" y="1059582"/>
+            <a:ext cx="8136904" cy="2963466"/>
+          </a:xfrm>
+        </p:spPr>
+        <p:txBody>
+          <a:bodyPr/>
+          <a:lstStyle/>
+          <a:p>
+            <a:r>
+              <a:rPr lang="en-US" dirty="0" smtClean="0"/>
+              <a:t>Not a real server</a:t>
+            </a:r>
+          </a:p>
+          <a:p>
+            <a:r>
+              <a:rPr lang="en-US" dirty="0" smtClean="0"/>
+              <a:t>Based on OWIN specification</a:t>
+            </a:r>
+            <a:endParaRPr lang="en-US" dirty="0"/>
+          </a:p>
+        </p:txBody>
+      </p:sp>
+    </p:spTree>
+    <p:extLst>
+      <p:ext uri="{BB962C8B-B14F-4D97-AF65-F5344CB8AC3E}">
+        <p14:creationId xmlns:p14="http://schemas.microsoft.com/office/powerpoint/2010/main" val="2718238351"/>
+      </p:ext>
+    </p:extLst>
+  </p:cSld>
+  <p:clrMapOvr>
+    <a:masterClrMapping/>
+  </p:clrMapOvr>
+  <mc:AlternateContent xmlns:mc="http://schemas.openxmlformats.org/markup-compatibility/2006" xmlns:p14="http://schemas.microsoft.com/office/powerpoint/2010/main">
+    <mc:Choice Requires="p14">
+      <p:transition spd="slow" p14:dur="1600">
+        <p14:gallery dir="l"/>
+      </p:transition>
+    </mc:Choice>
+    <mc:Fallback xmlns="">
+      <p:transition spd="slow">
+        <p:fade/>
+      </p:transition>
+    </mc:Fallback>
+  </mc:AlternateContent>
+  <p:timing>
+    <p:tnLst>
+      <p:par>
+        <p:cTn id="1" dur="indefinite" restart="never" nodeType="tmRoot"/>
+      </p:par>
+    </p:tnLst>
+  </p:timing>
+</p:sld>
+</file>
+
+<file path=ppt/slides/slide13.xml><?xml version="1.0" encoding="utf-8"?>
+<p:sld xmlns:a="http://schemas.openxmlformats.org/drawingml/2006/main" xmlns:r="http://schemas.openxmlformats.org/officeDocument/2006/relationships" xmlns:p="http://schemas.openxmlformats.org/presentationml/2006/main">
+  <p:cSld>
+    <p:spTree>
+      <p:nvGrpSpPr>
+        <p:cNvPr id="1" name=""/>
+        <p:cNvGrpSpPr/>
+        <p:nvPr/>
+      </p:nvGrpSpPr>
+      <p:grpSpPr>
+        <a:xfrm>
+          <a:off x="0" y="0"/>
+          <a:ext cx="0" cy="0"/>
+          <a:chOff x="0" y="0"/>
+          <a:chExt cx="0" cy="0"/>
+        </a:xfrm>
+      </p:grpSpPr>
+      <p:sp>
+        <p:nvSpPr>
+          <p:cNvPr id="4" name="Title 3"/>
+          <p:cNvSpPr>
+            <a:spLocks noGrp="1"/>
+          </p:cNvSpPr>
+          <p:nvPr>
+            <p:ph type="title"/>
+          </p:nvPr>
+        </p:nvSpPr>
+        <p:spPr/>
+        <p:txBody>
+          <a:bodyPr/>
+          <a:lstStyle/>
+          <a:p>
+            <a:r>
+              <a:rPr lang="en-US" dirty="0" smtClean="0"/>
+              <a:t>Servers Kestrel</a:t>
+            </a:r>
+            <a:endParaRPr lang="en-CA" dirty="0"/>
+          </a:p>
+        </p:txBody>
+      </p:sp>
+      <p:sp>
+        <p:nvSpPr>
+          <p:cNvPr id="3" name="Content Placeholder 2"/>
+          <p:cNvSpPr>
+            <a:spLocks noGrp="1"/>
+          </p:cNvSpPr>
+          <p:nvPr>
+            <p:ph sz="half" idx="2"/>
+          </p:nvPr>
+        </p:nvSpPr>
+        <p:spPr>
+          <a:xfrm>
+            <a:off x="467544" y="1059582"/>
+            <a:ext cx="8136904" cy="2963466"/>
+          </a:xfrm>
+        </p:spPr>
+        <p:txBody>
+          <a:bodyPr>
+            <a:normAutofit/>
+          </a:bodyPr>
+          <a:lstStyle/>
+          <a:p>
+            <a:r>
+              <a:rPr lang="en-US" dirty="0" smtClean="0"/>
+              <a:t>Development server ~ IIS Express</a:t>
+            </a:r>
+          </a:p>
+          <a:p>
+            <a:pPr lvl="1"/>
+            <a:r>
+              <a:rPr lang="en-US" dirty="0">
+                <a:hlinkClick r:id="rId2"/>
+              </a:rPr>
+              <a:t>https://</a:t>
+            </a:r>
+            <a:r>
+              <a:rPr lang="en-US" dirty="0" smtClean="0">
+                <a:hlinkClick r:id="rId2"/>
+              </a:rPr>
+              <a:t>github.com/aspnet/KestrelHttpServer</a:t>
+            </a:r>
+            <a:endParaRPr lang="en-US" dirty="0" smtClean="0"/>
+          </a:p>
+          <a:p>
+            <a:r>
+              <a:rPr lang="en-US" dirty="0" smtClean="0"/>
+              <a:t>Based on </a:t>
+            </a:r>
+            <a:r>
+              <a:rPr lang="en-US" dirty="0" err="1" smtClean="0"/>
+              <a:t>libuv</a:t>
+            </a:r>
+            <a:endParaRPr lang="en-US" dirty="0" smtClean="0"/>
+          </a:p>
+          <a:p>
+            <a:pPr lvl="1"/>
+            <a:r>
+              <a:rPr lang="en-US" dirty="0" smtClean="0"/>
+              <a:t>Node.js</a:t>
+            </a:r>
+          </a:p>
+          <a:p>
+            <a:pPr lvl="1"/>
+            <a:r>
+              <a:rPr lang="en-US" dirty="0" smtClean="0"/>
+              <a:t>multi-platform </a:t>
+            </a:r>
+            <a:r>
+              <a:rPr lang="en-US" dirty="0"/>
+              <a:t>support library with a focus on asynchronous </a:t>
+            </a:r>
+            <a:r>
+              <a:rPr lang="en-US" dirty="0" smtClean="0"/>
+              <a:t>I/O</a:t>
+            </a:r>
+          </a:p>
+          <a:p>
+            <a:pPr lvl="1"/>
+            <a:r>
+              <a:rPr lang="en-US" dirty="0" smtClean="0"/>
+              <a:t>Compilation</a:t>
+            </a:r>
+          </a:p>
+          <a:p>
+            <a:pPr lvl="1"/>
+            <a:r>
+              <a:rPr lang="en-US" dirty="0">
+                <a:hlinkClick r:id="rId3"/>
+              </a:rPr>
+              <a:t>https://</a:t>
+            </a:r>
+            <a:r>
+              <a:rPr lang="en-US" dirty="0" smtClean="0">
+                <a:hlinkClick r:id="rId3"/>
+              </a:rPr>
+              <a:t>github.com/libuv/libuv</a:t>
+            </a:r>
+            <a:endParaRPr lang="en-US" dirty="0" smtClean="0"/>
+          </a:p>
+          <a:p>
+            <a:pPr lvl="1"/>
+            <a:endParaRPr lang="en-US" dirty="0"/>
+          </a:p>
+        </p:txBody>
+      </p:sp>
+    </p:spTree>
+    <p:extLst>
+      <p:ext uri="{BB962C8B-B14F-4D97-AF65-F5344CB8AC3E}">
+        <p14:creationId xmlns:p14="http://schemas.microsoft.com/office/powerpoint/2010/main" val="402459984"/>
+      </p:ext>
+    </p:extLst>
+  </p:cSld>
+  <p:clrMapOvr>
+    <a:masterClrMapping/>
+  </p:clrMapOvr>
+  <mc:AlternateContent xmlns:mc="http://schemas.openxmlformats.org/markup-compatibility/2006" xmlns:p14="http://schemas.microsoft.com/office/powerpoint/2010/main">
+    <mc:Choice Requires="p14">
+      <p:transition spd="slow" p14:dur="1600">
+        <p14:gallery dir="l"/>
+      </p:transition>
+    </mc:Choice>
+    <mc:Fallback xmlns="">
+      <p:transition spd="slow">
+        <p:fade/>
+      </p:transition>
+    </mc:Fallback>
+  </mc:AlternateContent>
+  <p:timing>
+    <p:tnLst>
+      <p:par>
+        <p:cTn id="1" dur="indefinite" restart="never" nodeType="tmRoot"/>
+      </p:par>
+    </p:tnLst>
+  </p:timing>
+</p:sld>
+</file>
+
+<file path=ppt/slides/slide14.xml><?xml version="1.0" encoding="utf-8"?>
+<p:sld xmlns:a="http://schemas.openxmlformats.org/drawingml/2006/main" xmlns:r="http://schemas.openxmlformats.org/officeDocument/2006/relationships" xmlns:p="http://schemas.openxmlformats.org/presentationml/2006/main">
+  <p:cSld>
+    <p:spTree>
+      <p:nvGrpSpPr>
+        <p:cNvPr id="1" name=""/>
+        <p:cNvGrpSpPr/>
+        <p:nvPr/>
+      </p:nvGrpSpPr>
+      <p:grpSpPr>
+        <a:xfrm>
+          <a:off x="0" y="0"/>
+          <a:ext cx="0" cy="0"/>
+          <a:chOff x="0" y="0"/>
+          <a:chExt cx="0" cy="0"/>
+        </a:xfrm>
+      </p:grpSpPr>
+      <p:sp>
+        <p:nvSpPr>
           <p:cNvPr id="7" name="Title 6"/>
           <p:cNvSpPr>
             <a:spLocks noGrp="1"/>
@@ -8919,7 +9312,7 @@
 </p:sld>
 </file>
 
-<file path=ppt/slides/slide12.xml><?xml version="1.0" encoding="utf-8"?>
+<file path=ppt/slides/slide15.xml><?xml version="1.0" encoding="utf-8"?>
 <p:sld xmlns:a="http://schemas.openxmlformats.org/drawingml/2006/main" xmlns:r="http://schemas.openxmlformats.org/officeDocument/2006/relationships" xmlns:p="http://schemas.openxmlformats.org/presentationml/2006/main">
   <p:cSld>
     <p:spTree>
@@ -8968,7 +9361,7 @@
 </p:sld>
 </file>
 
-<file path=ppt/slides/slide13.xml><?xml version="1.0" encoding="utf-8"?>
+<file path=ppt/slides/slide16.xml><?xml version="1.0" encoding="utf-8"?>
 <p:sld xmlns:a="http://schemas.openxmlformats.org/drawingml/2006/main" xmlns:r="http://schemas.openxmlformats.org/officeDocument/2006/relationships" xmlns:p="http://schemas.openxmlformats.org/presentationml/2006/main">
   <p:cSld>
     <p:spTree>
@@ -9017,7 +9410,7 @@
 </p:sld>
 </file>
 
-<file path=ppt/slides/slide14.xml><?xml version="1.0" encoding="utf-8"?>
+<file path=ppt/slides/slide17.xml><?xml version="1.0" encoding="utf-8"?>
 <p:sld xmlns:a="http://schemas.openxmlformats.org/drawingml/2006/main" xmlns:r="http://schemas.openxmlformats.org/officeDocument/2006/relationships" xmlns:p="http://schemas.openxmlformats.org/presentationml/2006/main">
   <p:cSld>
     <p:spTree>
@@ -9424,7 +9817,7 @@
 </p:sld>
 </file>
 
-<file path=ppt/slides/slide15.xml><?xml version="1.0" encoding="utf-8"?>
+<file path=ppt/slides/slide18.xml><?xml version="1.0" encoding="utf-8"?>
 <p:sld xmlns:a="http://schemas.openxmlformats.org/drawingml/2006/main" xmlns:r="http://schemas.openxmlformats.org/officeDocument/2006/relationships" xmlns:p="http://schemas.openxmlformats.org/presentationml/2006/main">
   <p:cSld>
     <p:spTree>
@@ -10431,7 +10824,7 @@
       </p:grpSpPr>
       <p:sp>
         <p:nvSpPr>
-          <p:cNvPr id="3" name="Title 2"/>
+          <p:cNvPr id="4" name="Title 3"/>
           <p:cNvSpPr>
             <a:spLocks noGrp="1"/>
           </p:cNvSpPr>
@@ -10441,6 +10834,38 @@
         </p:nvSpPr>
         <p:spPr/>
         <p:txBody>
+          <a:bodyPr/>
+          <a:lstStyle/>
+          <a:p>
+            <a:r>
+              <a:rPr lang="en-US" dirty="0" smtClean="0"/>
+              <a:t>Mono - </a:t>
+            </a:r>
+            <a:r>
+              <a:rPr lang="en-US" dirty="0" smtClean="0"/>
+              <a:t>facts</a:t>
+            </a:r>
+            <a:endParaRPr lang="en-CA" dirty="0"/>
+          </a:p>
+        </p:txBody>
+      </p:sp>
+      <p:sp>
+        <p:nvSpPr>
+          <p:cNvPr id="6" name="Content Placeholder 5"/>
+          <p:cNvSpPr>
+            <a:spLocks noGrp="1"/>
+          </p:cNvSpPr>
+          <p:nvPr>
+            <p:ph sz="half" idx="2"/>
+          </p:nvPr>
+        </p:nvSpPr>
+        <p:spPr>
+          <a:xfrm>
+            <a:off x="467544" y="1048444"/>
+            <a:ext cx="8208912" cy="3323506"/>
+          </a:xfrm>
+        </p:spPr>
+        <p:txBody>
           <a:bodyPr>
             <a:normAutofit/>
           </a:bodyPr>
@@ -10448,39 +10873,106 @@
           <a:p>
             <a:r>
               <a:rPr lang="en-US" dirty="0" smtClean="0"/>
-              <a:t>ASP.net v5</a:t>
-            </a:r>
-            <a:endParaRPr lang="en-CA" dirty="0"/>
-          </a:p>
-        </p:txBody>
-      </p:sp>
-      <p:sp>
-        <p:nvSpPr>
-          <p:cNvPr id="4" name="Text Placeholder 3"/>
-          <p:cNvSpPr>
-            <a:spLocks noGrp="1"/>
-          </p:cNvSpPr>
-          <p:nvPr>
-            <p:ph type="body" idx="1"/>
-          </p:nvPr>
-        </p:nvSpPr>
-        <p:spPr/>
-        <p:txBody>
-          <a:bodyPr/>
-          <a:lstStyle/>
-          <a:p>
-            <a:r>
-              <a:rPr lang="hr-HR" dirty="0" smtClean="0"/>
-              <a:t>Sub theme of presentation</a:t>
-            </a:r>
-            <a:endParaRPr lang="en-CA" dirty="0"/>
+              <a:t>Open Source</a:t>
+            </a:r>
+          </a:p>
+          <a:p>
+            <a:pPr lvl="1"/>
+            <a:r>
+              <a:rPr lang="en-US" dirty="0">
+                <a:hlinkClick r:id="rId2"/>
+              </a:rPr>
+              <a:t>http://www.mono-project.com</a:t>
+            </a:r>
+            <a:r>
+              <a:rPr lang="en-US" dirty="0" smtClean="0">
+                <a:hlinkClick r:id="rId2"/>
+              </a:rPr>
+              <a:t>/</a:t>
+            </a:r>
+            <a:endParaRPr lang="en-US" dirty="0" smtClean="0"/>
+          </a:p>
+          <a:p>
+            <a:pPr lvl="1"/>
+            <a:r>
+              <a:rPr lang="en-US" dirty="0" smtClean="0"/>
+              <a:t>Core of </a:t>
+            </a:r>
+            <a:r>
+              <a:rPr lang="en-US" dirty="0" err="1" smtClean="0"/>
+              <a:t>Xamarin</a:t>
+            </a:r>
+            <a:r>
+              <a:rPr lang="en-US" dirty="0" smtClean="0"/>
+              <a:t> technologies</a:t>
+            </a:r>
+          </a:p>
+          <a:p>
+            <a:pPr lvl="2"/>
+            <a:r>
+              <a:rPr lang="en-US" dirty="0" err="1" smtClean="0"/>
+              <a:t>Xamarin.Android</a:t>
+            </a:r>
+            <a:endParaRPr lang="en-US" dirty="0" smtClean="0"/>
+          </a:p>
+          <a:p>
+            <a:pPr lvl="2"/>
+            <a:r>
+              <a:rPr lang="en-US" dirty="0" err="1" smtClean="0"/>
+              <a:t>Xamarin.iOS</a:t>
+            </a:r>
+            <a:endParaRPr lang="en-US" dirty="0"/>
+          </a:p>
+          <a:p>
+            <a:r>
+              <a:rPr lang="en-US" dirty="0" err="1" smtClean="0"/>
+              <a:t>Xamarin</a:t>
+            </a:r>
+            <a:r>
+              <a:rPr lang="en-US" dirty="0" smtClean="0"/>
+              <a:t> (Novell, </a:t>
+            </a:r>
+            <a:r>
+              <a:rPr lang="en-US" dirty="0" err="1" smtClean="0"/>
+              <a:t>Ximian</a:t>
+            </a:r>
+            <a:r>
+              <a:rPr lang="en-US" dirty="0" smtClean="0"/>
+              <a:t>)</a:t>
+            </a:r>
+          </a:p>
+          <a:p>
+            <a:pPr lvl="1"/>
+            <a:r>
+              <a:rPr lang="en-US">
+                <a:hlinkClick r:id="rId3"/>
+              </a:rPr>
+              <a:t>http://</a:t>
+            </a:r>
+            <a:r>
+              <a:rPr lang="en-US">
+                <a:hlinkClick r:id="rId3"/>
+              </a:rPr>
+              <a:t>xamarin.com</a:t>
+            </a:r>
+            <a:r>
+              <a:rPr lang="en-US" smtClean="0">
+                <a:hlinkClick r:id="rId3"/>
+              </a:rPr>
+              <a:t>/</a:t>
+            </a:r>
+            <a:endParaRPr lang="en-US" smtClean="0"/>
+          </a:p>
+          <a:p>
+            <a:pPr lvl="1"/>
+            <a:endParaRPr lang="en-US" dirty="0" smtClean="0"/>
           </a:p>
         </p:txBody>
       </p:sp>
     </p:spTree>
     <p:extLst>
       <p:ext uri="{BB962C8B-B14F-4D97-AF65-F5344CB8AC3E}">
-        <p14:creationId xmlns:p14="http://schemas.microsoft.com/office/powerpoint/2010/main" val="1458856284"/>
+        <p14:creationId xmlns:p14="http://schemas.microsoft.com/office/powerpoint/2010/main" val="3578244350"/>
       </p:ext>
     </p:extLst>
   </p:cSld>
@@ -10528,7 +11020,7 @@
       </p:grpSpPr>
       <p:sp>
         <p:nvSpPr>
-          <p:cNvPr id="4" name="Title 3"/>
+          <p:cNvPr id="3" name="Title 2"/>
           <p:cNvSpPr>
             <a:spLocks noGrp="1"/>
           </p:cNvSpPr>
@@ -10538,12 +11030,18 @@
         </p:nvSpPr>
         <p:spPr/>
         <p:txBody>
-          <a:bodyPr/>
+          <a:bodyPr>
+            <a:normAutofit/>
+          </a:bodyPr>
           <a:lstStyle/>
           <a:p>
             <a:r>
               <a:rPr lang="en-US" dirty="0" smtClean="0"/>
-              <a:t>Version Manager</a:t>
+              <a:t>ASP.net </a:t>
+            </a:r>
+            <a:r>
+              <a:rPr lang="en-US" dirty="0" smtClean="0"/>
+              <a:t>v.5</a:t>
             </a:r>
             <a:endParaRPr lang="en-CA" dirty="0"/>
           </a:p>
@@ -10551,7 +11049,7 @@
       </p:sp>
       <p:sp>
         <p:nvSpPr>
-          <p:cNvPr id="5" name="Text Placeholder 4"/>
+          <p:cNvPr id="4" name="Text Placeholder 3"/>
           <p:cNvSpPr>
             <a:spLocks noGrp="1"/>
           </p:cNvSpPr>
@@ -10565,163 +11063,9 @@
           <a:lstStyle/>
           <a:p>
             <a:r>
-              <a:rPr lang="en-US" dirty="0" err="1" smtClean="0"/>
-              <a:t>Kvm</a:t>
-            </a:r>
-            <a:r>
-              <a:rPr lang="en-US" dirty="0" smtClean="0"/>
-              <a:t>	</a:t>
-            </a:r>
-            <a:endParaRPr lang="en-CA" dirty="0"/>
-          </a:p>
-        </p:txBody>
-      </p:sp>
-      <p:sp>
-        <p:nvSpPr>
-          <p:cNvPr id="6" name="Content Placeholder 5"/>
-          <p:cNvSpPr>
-            <a:spLocks noGrp="1"/>
-          </p:cNvSpPr>
-          <p:nvPr>
-            <p:ph sz="half" idx="2"/>
-          </p:nvPr>
-        </p:nvSpPr>
-        <p:spPr/>
-        <p:txBody>
-          <a:bodyPr>
-            <a:normAutofit lnSpcReduction="10000"/>
-          </a:bodyPr>
-          <a:lstStyle/>
-          <a:p>
-            <a:r>
-              <a:rPr lang="en-US" dirty="0" smtClean="0"/>
-              <a:t>2015-04-20</a:t>
-            </a:r>
-          </a:p>
-          <a:p>
-            <a:pPr lvl="1"/>
-            <a:r>
-              <a:rPr lang="en-US" dirty="0" smtClean="0"/>
-              <a:t>V.4.1.0 (</a:t>
-            </a:r>
-            <a:r>
-              <a:rPr lang="en-US" dirty="0" err="1" smtClean="0"/>
-              <a:t>github</a:t>
-            </a:r>
-            <a:r>
-              <a:rPr lang="en-US" dirty="0" smtClean="0"/>
-              <a:t>)</a:t>
-            </a:r>
-          </a:p>
-          <a:p>
-            <a:pPr lvl="1"/>
-            <a:r>
-              <a:rPr lang="en-US" dirty="0" smtClean="0"/>
-              <a:t>V.3.12.0 (</a:t>
-            </a:r>
-            <a:r>
-              <a:rPr lang="en-US" dirty="0" err="1" smtClean="0"/>
-              <a:t>distro</a:t>
-            </a:r>
-            <a:r>
-              <a:rPr lang="en-US" dirty="0" smtClean="0"/>
-              <a:t> packages)</a:t>
-            </a:r>
-            <a:endParaRPr lang="hr-HR" dirty="0" smtClean="0"/>
-          </a:p>
-          <a:p>
-            <a:r>
-              <a:rPr lang="en-US" dirty="0" err="1" smtClean="0"/>
-              <a:t>.net</a:t>
-            </a:r>
-            <a:r>
-              <a:rPr lang="en-US" dirty="0" smtClean="0"/>
-              <a:t> implementation on Linux / </a:t>
-            </a:r>
-            <a:r>
-              <a:rPr lang="en-US" dirty="0" err="1" smtClean="0"/>
-              <a:t>MacOSX</a:t>
-            </a:r>
-            <a:r>
-              <a:rPr lang="en-US" dirty="0" smtClean="0"/>
-              <a:t> / *BSD</a:t>
-            </a:r>
-          </a:p>
-          <a:p>
-            <a:pPr lvl="1"/>
-            <a:r>
-              <a:rPr lang="en-US" dirty="0" smtClean="0"/>
-              <a:t>Since 2001.</a:t>
-            </a:r>
-          </a:p>
-          <a:p>
-            <a:r>
-              <a:rPr lang="en-US" dirty="0" smtClean="0"/>
-              <a:t>Open Source Project</a:t>
-            </a:r>
-          </a:p>
-          <a:p>
-            <a:r>
-              <a:rPr lang="en-US" dirty="0" err="1" smtClean="0"/>
-              <a:t>Xamarin</a:t>
-            </a:r>
-            <a:endParaRPr lang="en-CA" dirty="0"/>
-          </a:p>
-        </p:txBody>
-      </p:sp>
-      <p:sp>
-        <p:nvSpPr>
-          <p:cNvPr id="7" name="Text Placeholder 6"/>
-          <p:cNvSpPr>
-            <a:spLocks noGrp="1"/>
-          </p:cNvSpPr>
-          <p:nvPr>
-            <p:ph type="body" sz="quarter" idx="3"/>
-          </p:nvPr>
-        </p:nvSpPr>
-        <p:spPr/>
-        <p:txBody>
-          <a:bodyPr/>
-          <a:lstStyle/>
-          <a:p>
-            <a:r>
-              <a:rPr lang="en-US" smtClean="0"/>
-              <a:t>CLR - CoreCLR</a:t>
-            </a:r>
-            <a:endParaRPr lang="en-US" dirty="0"/>
-          </a:p>
-        </p:txBody>
-      </p:sp>
-      <p:sp>
-        <p:nvSpPr>
-          <p:cNvPr id="8" name="Content Placeholder 7"/>
-          <p:cNvSpPr>
-            <a:spLocks noGrp="1"/>
-          </p:cNvSpPr>
-          <p:nvPr>
-            <p:ph sz="quarter" idx="4"/>
-          </p:nvPr>
-        </p:nvSpPr>
-        <p:spPr/>
-        <p:txBody>
-          <a:bodyPr/>
-          <a:lstStyle/>
-          <a:p>
-            <a:r>
-              <a:rPr lang="en-US" dirty="0" smtClean="0"/>
-              <a:t>2015-04-20</a:t>
-            </a:r>
-            <a:endParaRPr lang="hr-HR" dirty="0" smtClean="0"/>
-          </a:p>
-          <a:p>
-            <a:pPr lvl="1"/>
-            <a:r>
-              <a:rPr lang="en-US" dirty="0" smtClean="0"/>
-              <a:t>Not ready yet</a:t>
-            </a:r>
-            <a:endParaRPr lang="hr-HR" dirty="0" smtClean="0"/>
-          </a:p>
-          <a:p>
+              <a:rPr lang="hr-HR" dirty="0" smtClean="0"/>
+              <a:t>Sub theme of presentation</a:t>
+            </a:r>
             <a:endParaRPr lang="en-CA" dirty="0"/>
           </a:p>
         </p:txBody>
@@ -10729,7 +11073,7 @@
     </p:spTree>
     <p:extLst>
       <p:ext uri="{BB962C8B-B14F-4D97-AF65-F5344CB8AC3E}">
-        <p14:creationId xmlns:p14="http://schemas.microsoft.com/office/powerpoint/2010/main" val="3445019402"/>
+        <p14:creationId xmlns:p14="http://schemas.microsoft.com/office/powerpoint/2010/main" val="1458856284"/>
       </p:ext>
     </p:extLst>
   </p:cSld>
@@ -10792,7 +11136,7 @@
           <a:p>
             <a:r>
               <a:rPr lang="en-US" dirty="0" smtClean="0"/>
-              <a:t>Package Manager</a:t>
+              <a:t>Version Manager</a:t>
             </a:r>
             <a:endParaRPr lang="en-CA" dirty="0"/>
           </a:p>
@@ -10800,7 +11144,150 @@
       </p:sp>
       <p:sp>
         <p:nvSpPr>
-          <p:cNvPr id="10" name="Content Placeholder 9"/>
+          <p:cNvPr id="5" name="Text Placeholder 4"/>
+          <p:cNvSpPr>
+            <a:spLocks noGrp="1"/>
+          </p:cNvSpPr>
+          <p:nvPr>
+            <p:ph type="body" idx="1"/>
+          </p:nvPr>
+        </p:nvSpPr>
+        <p:spPr/>
+        <p:txBody>
+          <a:bodyPr/>
+          <a:lstStyle/>
+          <a:p>
+            <a:r>
+              <a:rPr lang="en-US" dirty="0" err="1" smtClean="0"/>
+              <a:t>Kvm</a:t>
+            </a:r>
+            <a:r>
+              <a:rPr lang="en-US" dirty="0" smtClean="0"/>
+              <a:t>	</a:t>
+            </a:r>
+            <a:endParaRPr lang="en-CA" dirty="0"/>
+          </a:p>
+        </p:txBody>
+      </p:sp>
+      <p:sp>
+        <p:nvSpPr>
+          <p:cNvPr id="6" name="Content Placeholder 5"/>
+          <p:cNvSpPr>
+            <a:spLocks noGrp="1"/>
+          </p:cNvSpPr>
+          <p:nvPr>
+            <p:ph sz="half" idx="2"/>
+          </p:nvPr>
+        </p:nvSpPr>
+        <p:spPr/>
+        <p:txBody>
+          <a:bodyPr>
+            <a:normAutofit lnSpcReduction="10000"/>
+          </a:bodyPr>
+          <a:lstStyle/>
+          <a:p>
+            <a:r>
+              <a:rPr lang="en-US" dirty="0" smtClean="0"/>
+              <a:t>2015-04-20</a:t>
+            </a:r>
+          </a:p>
+          <a:p>
+            <a:pPr lvl="1"/>
+            <a:r>
+              <a:rPr lang="en-US" dirty="0" smtClean="0"/>
+              <a:t>V.4.1.0 (</a:t>
+            </a:r>
+            <a:r>
+              <a:rPr lang="en-US" dirty="0" err="1" smtClean="0"/>
+              <a:t>github</a:t>
+            </a:r>
+            <a:r>
+              <a:rPr lang="en-US" dirty="0" smtClean="0"/>
+              <a:t>)</a:t>
+            </a:r>
+          </a:p>
+          <a:p>
+            <a:pPr lvl="1"/>
+            <a:r>
+              <a:rPr lang="en-US" dirty="0" smtClean="0"/>
+              <a:t>V.3.12.0 (</a:t>
+            </a:r>
+            <a:r>
+              <a:rPr lang="en-US" dirty="0" err="1" smtClean="0"/>
+              <a:t>distro</a:t>
+            </a:r>
+            <a:r>
+              <a:rPr lang="en-US" dirty="0" smtClean="0"/>
+              <a:t> packages)</a:t>
+            </a:r>
+            <a:endParaRPr lang="hr-HR" dirty="0" smtClean="0"/>
+          </a:p>
+          <a:p>
+            <a:r>
+              <a:rPr lang="en-US" dirty="0" err="1" smtClean="0"/>
+              <a:t>.net</a:t>
+            </a:r>
+            <a:r>
+              <a:rPr lang="en-US" dirty="0" smtClean="0"/>
+              <a:t> implementation on Linux / </a:t>
+            </a:r>
+            <a:r>
+              <a:rPr lang="en-US" dirty="0" err="1" smtClean="0"/>
+              <a:t>MacOSX</a:t>
+            </a:r>
+            <a:r>
+              <a:rPr lang="en-US" dirty="0" smtClean="0"/>
+              <a:t> / *BSD</a:t>
+            </a:r>
+          </a:p>
+          <a:p>
+            <a:pPr lvl="1"/>
+            <a:r>
+              <a:rPr lang="en-US" dirty="0" smtClean="0"/>
+              <a:t>Since 2001.</a:t>
+            </a:r>
+          </a:p>
+          <a:p>
+            <a:r>
+              <a:rPr lang="en-US" dirty="0" smtClean="0"/>
+              <a:t>Open Source Project</a:t>
+            </a:r>
+          </a:p>
+          <a:p>
+            <a:r>
+              <a:rPr lang="en-US" dirty="0" err="1" smtClean="0"/>
+              <a:t>Xamarin</a:t>
+            </a:r>
+            <a:endParaRPr lang="en-CA" dirty="0"/>
+          </a:p>
+        </p:txBody>
+      </p:sp>
+      <p:sp>
+        <p:nvSpPr>
+          <p:cNvPr id="7" name="Text Placeholder 6"/>
+          <p:cNvSpPr>
+            <a:spLocks noGrp="1"/>
+          </p:cNvSpPr>
+          <p:nvPr>
+            <p:ph type="body" sz="quarter" idx="3"/>
+          </p:nvPr>
+        </p:nvSpPr>
+        <p:spPr/>
+        <p:txBody>
+          <a:bodyPr/>
+          <a:lstStyle/>
+          <a:p>
+            <a:r>
+              <a:rPr lang="en-US" smtClean="0"/>
+              <a:t>CLR - CoreCLR</a:t>
+            </a:r>
+            <a:endParaRPr lang="en-US" dirty="0"/>
+          </a:p>
+        </p:txBody>
+      </p:sp>
+      <p:sp>
+        <p:nvSpPr>
+          <p:cNvPr id="8" name="Content Placeholder 7"/>
           <p:cNvSpPr>
             <a:spLocks noGrp="1"/>
           </p:cNvSpPr>
@@ -10808,31 +11295,34 @@
             <p:ph sz="quarter" idx="4"/>
           </p:nvPr>
         </p:nvSpPr>
-        <p:spPr>
-          <a:xfrm>
-            <a:off x="395536" y="1203598"/>
-            <a:ext cx="8352928" cy="2963466"/>
-          </a:xfrm>
-        </p:spPr>
+        <p:spPr/>
         <p:txBody>
           <a:bodyPr/>
           <a:lstStyle/>
           <a:p>
             <a:r>
-              <a:rPr lang="en-US" dirty="0" err="1" smtClean="0"/>
-              <a:t>kpm</a:t>
-            </a:r>
-            <a:endParaRPr lang="en-US" dirty="0" smtClean="0"/>
-          </a:p>
-          <a:p>
-            <a:endParaRPr lang="en-US" dirty="0"/>
+              <a:rPr lang="en-US" dirty="0" smtClean="0"/>
+              <a:t>2015-04-20</a:t>
+            </a:r>
+            <a:endParaRPr lang="hr-HR" dirty="0" smtClean="0"/>
+          </a:p>
+          <a:p>
+            <a:pPr lvl="1"/>
+            <a:r>
+              <a:rPr lang="en-US" dirty="0" smtClean="0"/>
+              <a:t>Not ready yet</a:t>
+            </a:r>
+            <a:endParaRPr lang="hr-HR" dirty="0" smtClean="0"/>
+          </a:p>
+          <a:p>
+            <a:endParaRPr lang="en-CA" dirty="0"/>
           </a:p>
         </p:txBody>
       </p:sp>
     </p:spTree>
     <p:extLst>
       <p:ext uri="{BB962C8B-B14F-4D97-AF65-F5344CB8AC3E}">
-        <p14:creationId xmlns:p14="http://schemas.microsoft.com/office/powerpoint/2010/main" val="918980217"/>
+        <p14:creationId xmlns:p14="http://schemas.microsoft.com/office/powerpoint/2010/main" val="3445019402"/>
       </p:ext>
     </p:extLst>
   </p:cSld>
@@ -11145,7 +11635,7 @@
   <a:extraClrSchemeLst/>
   <a:extLst>
     <a:ext uri="{05A4C25C-085E-4340-85A3-A5531E510DB2}">
-      <thm15:themeFamily xmlns="" xmlns:thm15="http://schemas.microsoft.com/office/thememl/2012/main" name="Presentation3" id="{21657555-9C8B-45A1-BF67-A2396392EDCA}" vid="{D1FF537B-FC25-4A93-B7FA-0CE276DF409B}"/>
+      <thm15:themeFamily xmlns:thm15="http://schemas.microsoft.com/office/thememl/2012/main" xmlns="" name="Presentation3" id="{21657555-9C8B-45A1-BF67-A2396392EDCA}" vid="{D1FF537B-FC25-4A93-B7FA-0CE276DF409B}"/>
     </a:ext>
   </a:extLst>
 </a:theme>
@@ -11406,7 +11896,7 @@
   <a:extraClrSchemeLst/>
   <a:extLst>
     <a:ext uri="{05A4C25C-085E-4340-85A3-A5531E510DB2}">
-      <thm15:themeFamily xmlns="" xmlns:thm15="http://schemas.microsoft.com/office/thememl/2012/main" name="Office Theme" id="{62F939B6-93AF-4DB8-9C6B-D6C7DFDC589F}" vid="{4A3C46E8-61CC-4603-A589-7422A47A8E4A}"/>
+      <thm15:themeFamily xmlns:thm15="http://schemas.microsoft.com/office/thememl/2012/main" xmlns="" name="Office Theme" id="{62F939B6-93AF-4DB8-9C6B-D6C7DFDC589F}" vid="{4A3C46E8-61CC-4603-A589-7422A47A8E4A}"/>
     </a:ext>
   </a:extLst>
 </a:theme>

--- a/talk/Windays15 - ASP.net v.5 (vNext) on Linux and Mac OSX.pptx
+++ b/talk/Windays15 - ASP.net v.5 (vNext) on Linux and Mac OSX.pptx
@@ -5,7 +5,7 @@
     <p:sldMasterId id="2147483648" r:id="rId1"/>
   </p:sldMasterIdLst>
   <p:notesMasterIdLst>
-    <p:notesMasterId r:id="rId20"/>
+    <p:notesMasterId r:id="rId23"/>
   </p:notesMasterIdLst>
   <p:sldIdLst>
     <p:sldId id="378" r:id="rId2"/>
@@ -21,11 +21,14 @@
     <p:sldId id="390" r:id="rId12"/>
     <p:sldId id="392" r:id="rId13"/>
     <p:sldId id="393" r:id="rId14"/>
-    <p:sldId id="382" r:id="rId15"/>
-    <p:sldId id="384" r:id="rId16"/>
-    <p:sldId id="385" r:id="rId17"/>
-    <p:sldId id="386" r:id="rId18"/>
-    <p:sldId id="383" r:id="rId19"/>
+    <p:sldId id="395" r:id="rId15"/>
+    <p:sldId id="396" r:id="rId16"/>
+    <p:sldId id="397" r:id="rId17"/>
+    <p:sldId id="382" r:id="rId18"/>
+    <p:sldId id="384" r:id="rId19"/>
+    <p:sldId id="385" r:id="rId20"/>
+    <p:sldId id="386" r:id="rId21"/>
+    <p:sldId id="383" r:id="rId22"/>
   </p:sldIdLst>
   <p:sldSz cx="9144000" cy="5143500" type="screen16x9"/>
   <p:notesSz cx="6858000" cy="9144000"/>
@@ -126,7 +129,7 @@
   </p:defaultTextStyle>
   <p:extLst>
     <p:ext uri="{EFAFB233-063F-42B5-8137-9DF3F51BA10A}">
-      <p15:sldGuideLst xmlns:p15="http://schemas.microsoft.com/office/powerpoint/2012/main" xmlns="">
+      <p15:sldGuideLst xmlns="" xmlns:p15="http://schemas.microsoft.com/office/powerpoint/2012/main">
         <p15:guide id="1" orient="horz" pos="1620">
           <p15:clr>
             <a:srgbClr val="A4A3A4"/>
@@ -225,7 +228,7 @@
           <a:p>
             <a:fld id="{50FC99FD-3124-4BAE-BDEC-6DC0C66484C6}" type="datetimeFigureOut">
               <a:rPr lang="hr-HR" smtClean="0"/>
-              <a:t>20.4.2015</a:t>
+              <a:t>21.4.2015</a:t>
             </a:fld>
             <a:endParaRPr lang="hr-HR"/>
           </a:p>
@@ -570,7 +573,7 @@
           <a:p>
             <a:fld id="{1DDBDB10-AD5A-47B9-BE34-A4DD7D252074}" type="slidenum">
               <a:rPr lang="hr-HR" smtClean="0"/>
-              <a:t>17</a:t>
+              <a:t>20</a:t>
             </a:fld>
             <a:endParaRPr lang="hr-HR"/>
           </a:p>
@@ -7959,7 +7962,7 @@
           <a:p>
             <a:fld id="{1F091A5A-E06A-4EE6-BA7D-7692AADB5A4F}" type="datetimeFigureOut">
               <a:rPr lang="en-CA" smtClean="0"/>
-              <a:t>20/04/2015</a:t>
+              <a:t>21/04/2015</a:t>
             </a:fld>
             <a:endParaRPr lang="en-CA"/>
           </a:p>
@@ -9211,6 +9214,447 @@
       </p:grpSpPr>
       <p:sp>
         <p:nvSpPr>
+          <p:cNvPr id="3" name="Title 2"/>
+          <p:cNvSpPr>
+            <a:spLocks noGrp="1"/>
+          </p:cNvSpPr>
+          <p:nvPr>
+            <p:ph type="title"/>
+          </p:nvPr>
+        </p:nvSpPr>
+        <p:spPr/>
+        <p:txBody>
+          <a:bodyPr>
+            <a:normAutofit/>
+          </a:bodyPr>
+          <a:lstStyle/>
+          <a:p>
+            <a:r>
+              <a:rPr lang="en-US" dirty="0" smtClean="0"/>
+              <a:t>Development TOOLS</a:t>
+            </a:r>
+            <a:endParaRPr lang="en-CA" dirty="0"/>
+          </a:p>
+        </p:txBody>
+      </p:sp>
+      <p:sp>
+        <p:nvSpPr>
+          <p:cNvPr id="4" name="Text Placeholder 3"/>
+          <p:cNvSpPr>
+            <a:spLocks noGrp="1"/>
+          </p:cNvSpPr>
+          <p:nvPr>
+            <p:ph type="body" idx="1"/>
+          </p:nvPr>
+        </p:nvSpPr>
+        <p:spPr/>
+        <p:txBody>
+          <a:bodyPr/>
+          <a:lstStyle/>
+          <a:p>
+            <a:r>
+              <a:rPr lang="hr-HR" dirty="0" smtClean="0"/>
+              <a:t>Sub theme of presentation</a:t>
+            </a:r>
+            <a:endParaRPr lang="en-CA" dirty="0"/>
+          </a:p>
+        </p:txBody>
+      </p:sp>
+    </p:spTree>
+    <p:extLst>
+      <p:ext uri="{BB962C8B-B14F-4D97-AF65-F5344CB8AC3E}">
+        <p14:creationId xmlns:p14="http://schemas.microsoft.com/office/powerpoint/2010/main" val="2905002938"/>
+      </p:ext>
+    </p:extLst>
+  </p:cSld>
+  <p:clrMapOvr>
+    <a:masterClrMapping/>
+  </p:clrMapOvr>
+  <mc:AlternateContent xmlns:mc="http://schemas.openxmlformats.org/markup-compatibility/2006" xmlns:p14="http://schemas.microsoft.com/office/powerpoint/2010/main">
+    <mc:Choice Requires="p14">
+      <p:transition spd="slow" p14:dur="1600">
+        <p14:gallery dir="l"/>
+      </p:transition>
+    </mc:Choice>
+    <mc:Fallback xmlns="">
+      <p:transition spd="slow">
+        <p:fade/>
+      </p:transition>
+    </mc:Fallback>
+  </mc:AlternateContent>
+  <p:timing>
+    <p:tnLst>
+      <p:par>
+        <p:cTn id="1" dur="indefinite" restart="never" nodeType="tmRoot"/>
+      </p:par>
+    </p:tnLst>
+  </p:timing>
+</p:sld>
+</file>
+
+<file path=ppt/slides/slide15.xml><?xml version="1.0" encoding="utf-8"?>
+<p:sld xmlns:a="http://schemas.openxmlformats.org/drawingml/2006/main" xmlns:r="http://schemas.openxmlformats.org/officeDocument/2006/relationships" xmlns:p="http://schemas.openxmlformats.org/presentationml/2006/main">
+  <p:cSld>
+    <p:spTree>
+      <p:nvGrpSpPr>
+        <p:cNvPr id="1" name=""/>
+        <p:cNvGrpSpPr/>
+        <p:nvPr/>
+      </p:nvGrpSpPr>
+      <p:grpSpPr>
+        <a:xfrm>
+          <a:off x="0" y="0"/>
+          <a:ext cx="0" cy="0"/>
+          <a:chOff x="0" y="0"/>
+          <a:chExt cx="0" cy="0"/>
+        </a:xfrm>
+      </p:grpSpPr>
+      <p:sp>
+        <p:nvSpPr>
+          <p:cNvPr id="4" name="Title 3"/>
+          <p:cNvSpPr>
+            <a:spLocks noGrp="1"/>
+          </p:cNvSpPr>
+          <p:nvPr>
+            <p:ph type="title"/>
+          </p:nvPr>
+        </p:nvSpPr>
+        <p:spPr/>
+        <p:txBody>
+          <a:bodyPr/>
+          <a:lstStyle/>
+          <a:p>
+            <a:r>
+              <a:rPr lang="en-US" dirty="0" smtClean="0"/>
+              <a:t>Editors + Tools</a:t>
+            </a:r>
+            <a:endParaRPr lang="en-CA" dirty="0"/>
+          </a:p>
+        </p:txBody>
+      </p:sp>
+      <p:sp>
+        <p:nvSpPr>
+          <p:cNvPr id="3" name="Content Placeholder 2"/>
+          <p:cNvSpPr>
+            <a:spLocks noGrp="1"/>
+          </p:cNvSpPr>
+          <p:nvPr>
+            <p:ph sz="half" idx="2"/>
+          </p:nvPr>
+        </p:nvSpPr>
+        <p:spPr>
+          <a:xfrm>
+            <a:off x="467544" y="1059582"/>
+            <a:ext cx="8136904" cy="2963466"/>
+          </a:xfrm>
+        </p:spPr>
+        <p:txBody>
+          <a:bodyPr>
+            <a:normAutofit lnSpcReduction="10000"/>
+          </a:bodyPr>
+          <a:lstStyle/>
+          <a:p>
+            <a:r>
+              <a:rPr lang="en-US" dirty="0" smtClean="0"/>
+              <a:t>Editors</a:t>
+            </a:r>
+          </a:p>
+          <a:p>
+            <a:pPr lvl="1"/>
+            <a:r>
+              <a:rPr lang="en-US" dirty="0" smtClean="0"/>
+              <a:t>Sublime Text (</a:t>
+            </a:r>
+            <a:r>
+              <a:rPr lang="en-US" dirty="0" err="1" smtClean="0"/>
+              <a:t>Kulture</a:t>
+            </a:r>
+            <a:r>
+              <a:rPr lang="en-US" dirty="0" smtClean="0"/>
+              <a:t>)</a:t>
+            </a:r>
+            <a:endParaRPr lang="en-US" dirty="0" smtClean="0"/>
+          </a:p>
+          <a:p>
+            <a:pPr lvl="1"/>
+            <a:r>
+              <a:rPr lang="en-US" dirty="0" smtClean="0"/>
+              <a:t>Atom</a:t>
+            </a:r>
+          </a:p>
+          <a:p>
+            <a:pPr lvl="1"/>
+            <a:r>
+              <a:rPr lang="en-US" dirty="0" smtClean="0"/>
+              <a:t>Brackets</a:t>
+            </a:r>
+          </a:p>
+          <a:p>
+            <a:pPr lvl="1"/>
+            <a:r>
+              <a:rPr lang="en-US" dirty="0" err="1" smtClean="0"/>
+              <a:t>Emacs</a:t>
+            </a:r>
+            <a:endParaRPr lang="en-US" dirty="0" smtClean="0"/>
+          </a:p>
+          <a:p>
+            <a:pPr lvl="1"/>
+            <a:r>
+              <a:rPr lang="en-US" dirty="0"/>
+              <a:t>v</a:t>
+            </a:r>
+            <a:r>
+              <a:rPr lang="en-US" dirty="0" smtClean="0"/>
+              <a:t>i[m]</a:t>
+            </a:r>
+          </a:p>
+          <a:p>
+            <a:r>
+              <a:rPr lang="en-US" dirty="0" smtClean="0"/>
+              <a:t>Editor plugin + </a:t>
+            </a:r>
+            <a:r>
+              <a:rPr lang="en-US" dirty="0" err="1" smtClean="0"/>
+              <a:t>OmniSharp</a:t>
+            </a:r>
+            <a:r>
+              <a:rPr lang="en-US" dirty="0" smtClean="0"/>
+              <a:t> = </a:t>
+            </a:r>
+            <a:r>
+              <a:rPr lang="en-US" dirty="0" err="1" smtClean="0"/>
+              <a:t>intellisense</a:t>
+            </a:r>
+            <a:endParaRPr lang="en-US" dirty="0" smtClean="0"/>
+          </a:p>
+          <a:p>
+            <a:pPr lvl="1"/>
+            <a:r>
+              <a:rPr lang="en-US">
+                <a:hlinkClick r:id="rId2"/>
+              </a:rPr>
+              <a:t>http://</a:t>
+            </a:r>
+            <a:r>
+              <a:rPr lang="en-US">
+                <a:hlinkClick r:id="rId2"/>
+              </a:rPr>
+              <a:t>www.omnisharp.net</a:t>
+            </a:r>
+            <a:r>
+              <a:rPr lang="en-US" smtClean="0">
+                <a:hlinkClick r:id="rId2"/>
+              </a:rPr>
+              <a:t>/</a:t>
+            </a:r>
+            <a:endParaRPr lang="en-US" smtClean="0"/>
+          </a:p>
+          <a:p>
+            <a:pPr lvl="1"/>
+            <a:endParaRPr lang="en-US" dirty="0" smtClean="0"/>
+          </a:p>
+          <a:p>
+            <a:endParaRPr lang="en-US" dirty="0"/>
+          </a:p>
+        </p:txBody>
+      </p:sp>
+    </p:spTree>
+    <p:extLst>
+      <p:ext uri="{BB962C8B-B14F-4D97-AF65-F5344CB8AC3E}">
+        <p14:creationId xmlns:p14="http://schemas.microsoft.com/office/powerpoint/2010/main" val="1193548691"/>
+      </p:ext>
+    </p:extLst>
+  </p:cSld>
+  <p:clrMapOvr>
+    <a:masterClrMapping/>
+  </p:clrMapOvr>
+  <mc:AlternateContent xmlns:mc="http://schemas.openxmlformats.org/markup-compatibility/2006" xmlns:p14="http://schemas.microsoft.com/office/powerpoint/2010/main">
+    <mc:Choice Requires="p14">
+      <p:transition spd="slow" p14:dur="1600">
+        <p14:gallery dir="l"/>
+      </p:transition>
+    </mc:Choice>
+    <mc:Fallback xmlns="">
+      <p:transition spd="slow">
+        <p:fade/>
+      </p:transition>
+    </mc:Fallback>
+  </mc:AlternateContent>
+  <p:timing>
+    <p:tnLst>
+      <p:par>
+        <p:cTn id="1" dur="indefinite" restart="never" nodeType="tmRoot"/>
+      </p:par>
+    </p:tnLst>
+  </p:timing>
+</p:sld>
+</file>
+
+<file path=ppt/slides/slide16.xml><?xml version="1.0" encoding="utf-8"?>
+<p:sld xmlns:a="http://schemas.openxmlformats.org/drawingml/2006/main" xmlns:r="http://schemas.openxmlformats.org/officeDocument/2006/relationships" xmlns:p="http://schemas.openxmlformats.org/presentationml/2006/main">
+  <p:cSld>
+    <p:spTree>
+      <p:nvGrpSpPr>
+        <p:cNvPr id="1" name=""/>
+        <p:cNvGrpSpPr/>
+        <p:nvPr/>
+      </p:nvGrpSpPr>
+      <p:grpSpPr>
+        <a:xfrm>
+          <a:off x="0" y="0"/>
+          <a:ext cx="0" cy="0"/>
+          <a:chOff x="0" y="0"/>
+          <a:chExt cx="0" cy="0"/>
+        </a:xfrm>
+      </p:grpSpPr>
+      <p:sp>
+        <p:nvSpPr>
+          <p:cNvPr id="4" name="Title 3"/>
+          <p:cNvSpPr>
+            <a:spLocks noGrp="1"/>
+          </p:cNvSpPr>
+          <p:nvPr>
+            <p:ph type="title"/>
+          </p:nvPr>
+        </p:nvSpPr>
+        <p:spPr/>
+        <p:txBody>
+          <a:bodyPr/>
+          <a:lstStyle/>
+          <a:p>
+            <a:r>
+              <a:rPr lang="en-US" dirty="0" smtClean="0"/>
+              <a:t>Tools</a:t>
+            </a:r>
+            <a:endParaRPr lang="en-CA" dirty="0"/>
+          </a:p>
+        </p:txBody>
+      </p:sp>
+      <p:sp>
+        <p:nvSpPr>
+          <p:cNvPr id="3" name="Content Placeholder 2"/>
+          <p:cNvSpPr>
+            <a:spLocks noGrp="1"/>
+          </p:cNvSpPr>
+          <p:nvPr>
+            <p:ph sz="half" idx="2"/>
+          </p:nvPr>
+        </p:nvSpPr>
+        <p:spPr>
+          <a:xfrm>
+            <a:off x="467544" y="1059582"/>
+            <a:ext cx="8136904" cy="2963466"/>
+          </a:xfrm>
+        </p:spPr>
+        <p:txBody>
+          <a:bodyPr/>
+          <a:lstStyle/>
+          <a:p>
+            <a:r>
+              <a:rPr lang="en-US" dirty="0" smtClean="0"/>
+              <a:t>Scaffolding</a:t>
+            </a:r>
+          </a:p>
+          <a:p>
+            <a:pPr lvl="1"/>
+            <a:r>
+              <a:rPr lang="en-US" dirty="0" smtClean="0"/>
+              <a:t>Yeoman</a:t>
+            </a:r>
+            <a:br>
+              <a:rPr lang="en-US" dirty="0" smtClean="0"/>
+            </a:br>
+            <a:r>
+              <a:rPr lang="en-US" dirty="0" err="1" smtClean="0"/>
+              <a:t>yo</a:t>
+            </a:r>
+            <a:r>
+              <a:rPr lang="en-US" dirty="0" smtClean="0"/>
+              <a:t> </a:t>
+            </a:r>
+            <a:r>
+              <a:rPr lang="en-US" dirty="0" err="1" smtClean="0"/>
+              <a:t>aspnet</a:t>
+            </a:r>
+            <a:endParaRPr lang="en-US" dirty="0" smtClean="0"/>
+          </a:p>
+          <a:p>
+            <a:r>
+              <a:rPr lang="en-US" dirty="0" smtClean="0"/>
+              <a:t>Task runners</a:t>
+            </a:r>
+          </a:p>
+          <a:p>
+            <a:pPr lvl="1"/>
+            <a:r>
+              <a:rPr lang="en-US" dirty="0" smtClean="0"/>
+              <a:t>Grunt</a:t>
+            </a:r>
+          </a:p>
+          <a:p>
+            <a:pPr lvl="1"/>
+            <a:r>
+              <a:rPr lang="en-US" dirty="0" smtClean="0"/>
+              <a:t>Gulp</a:t>
+            </a:r>
+          </a:p>
+          <a:p>
+            <a:pPr lvl="1"/>
+            <a:endParaRPr lang="en-US" dirty="0"/>
+          </a:p>
+        </p:txBody>
+      </p:sp>
+    </p:spTree>
+    <p:extLst>
+      <p:ext uri="{BB962C8B-B14F-4D97-AF65-F5344CB8AC3E}">
+        <p14:creationId xmlns:p14="http://schemas.microsoft.com/office/powerpoint/2010/main" val="639449270"/>
+      </p:ext>
+    </p:extLst>
+  </p:cSld>
+  <p:clrMapOvr>
+    <a:masterClrMapping/>
+  </p:clrMapOvr>
+  <mc:AlternateContent xmlns:mc="http://schemas.openxmlformats.org/markup-compatibility/2006" xmlns:p14="http://schemas.microsoft.com/office/powerpoint/2010/main">
+    <mc:Choice Requires="p14">
+      <p:transition spd="slow" p14:dur="1600">
+        <p14:gallery dir="l"/>
+      </p:transition>
+    </mc:Choice>
+    <mc:Fallback xmlns="">
+      <p:transition spd="slow">
+        <p:fade/>
+      </p:transition>
+    </mc:Fallback>
+  </mc:AlternateContent>
+  <p:timing>
+    <p:tnLst>
+      <p:par>
+        <p:cTn id="1" dur="indefinite" restart="never" nodeType="tmRoot"/>
+      </p:par>
+    </p:tnLst>
+  </p:timing>
+</p:sld>
+</file>
+
+<file path=ppt/slides/slide17.xml><?xml version="1.0" encoding="utf-8"?>
+<p:sld xmlns:a="http://schemas.openxmlformats.org/drawingml/2006/main" xmlns:r="http://schemas.openxmlformats.org/officeDocument/2006/relationships" xmlns:p="http://schemas.openxmlformats.org/presentationml/2006/main">
+  <p:cSld>
+    <p:spTree>
+      <p:nvGrpSpPr>
+        <p:cNvPr id="1" name=""/>
+        <p:cNvGrpSpPr/>
+        <p:nvPr/>
+      </p:nvGrpSpPr>
+      <p:grpSpPr>
+        <a:xfrm>
+          <a:off x="0" y="0"/>
+          <a:ext cx="0" cy="0"/>
+          <a:chOff x="0" y="0"/>
+          <a:chExt cx="0" cy="0"/>
+        </a:xfrm>
+      </p:grpSpPr>
+      <p:sp>
+        <p:nvSpPr>
           <p:cNvPr id="7" name="Title 6"/>
           <p:cNvSpPr>
             <a:spLocks noGrp="1"/>
@@ -9312,7 +9756,7 @@
 </p:sld>
 </file>
 
-<file path=ppt/slides/slide15.xml><?xml version="1.0" encoding="utf-8"?>
+<file path=ppt/slides/slide18.xml><?xml version="1.0" encoding="utf-8"?>
 <p:sld xmlns:a="http://schemas.openxmlformats.org/drawingml/2006/main" xmlns:r="http://schemas.openxmlformats.org/officeDocument/2006/relationships" xmlns:p="http://schemas.openxmlformats.org/presentationml/2006/main">
   <p:cSld>
     <p:spTree>
@@ -9361,7 +9805,7 @@
 </p:sld>
 </file>
 
-<file path=ppt/slides/slide16.xml><?xml version="1.0" encoding="utf-8"?>
+<file path=ppt/slides/slide19.xml><?xml version="1.0" encoding="utf-8"?>
 <p:sld xmlns:a="http://schemas.openxmlformats.org/drawingml/2006/main" xmlns:r="http://schemas.openxmlformats.org/officeDocument/2006/relationships" xmlns:p="http://schemas.openxmlformats.org/presentationml/2006/main">
   <p:cSld>
     <p:spTree>
@@ -9382,462 +9826,6 @@
     <p:extLst>
       <p:ext uri="{BB962C8B-B14F-4D97-AF65-F5344CB8AC3E}">
         <p14:creationId xmlns:p14="http://schemas.microsoft.com/office/powerpoint/2010/main" val="3763596022"/>
-      </p:ext>
-    </p:extLst>
-  </p:cSld>
-  <p:clrMapOvr>
-    <a:masterClrMapping/>
-  </p:clrMapOvr>
-  <mc:AlternateContent xmlns:mc="http://schemas.openxmlformats.org/markup-compatibility/2006" xmlns:p14="http://schemas.microsoft.com/office/powerpoint/2010/main">
-    <mc:Choice Requires="p14">
-      <p:transition spd="slow" p14:dur="1600">
-        <p14:gallery dir="l"/>
-      </p:transition>
-    </mc:Choice>
-    <mc:Fallback xmlns="">
-      <p:transition spd="slow">
-        <p:fade/>
-      </p:transition>
-    </mc:Fallback>
-  </mc:AlternateContent>
-  <p:timing>
-    <p:tnLst>
-      <p:par>
-        <p:cTn id="1" dur="indefinite" restart="never" nodeType="tmRoot"/>
-      </p:par>
-    </p:tnLst>
-  </p:timing>
-</p:sld>
-</file>
-
-<file path=ppt/slides/slide17.xml><?xml version="1.0" encoding="utf-8"?>
-<p:sld xmlns:a="http://schemas.openxmlformats.org/drawingml/2006/main" xmlns:r="http://schemas.openxmlformats.org/officeDocument/2006/relationships" xmlns:p="http://schemas.openxmlformats.org/presentationml/2006/main">
-  <p:cSld>
-    <p:spTree>
-      <p:nvGrpSpPr>
-        <p:cNvPr id="1" name=""/>
-        <p:cNvGrpSpPr/>
-        <p:nvPr/>
-      </p:nvGrpSpPr>
-      <p:grpSpPr>
-        <a:xfrm>
-          <a:off x="0" y="0"/>
-          <a:ext cx="0" cy="0"/>
-          <a:chOff x="0" y="0"/>
-          <a:chExt cx="0" cy="0"/>
-        </a:xfrm>
-      </p:grpSpPr>
-      <p:sp>
-        <p:nvSpPr>
-          <p:cNvPr id="2" name="Text Placeholder 1"/>
-          <p:cNvSpPr>
-            <a:spLocks noGrp="1"/>
-          </p:cNvSpPr>
-          <p:nvPr>
-            <p:ph type="body" sz="quarter" idx="10"/>
-          </p:nvPr>
-        </p:nvSpPr>
-        <p:spPr>
-          <a:xfrm>
-            <a:off x="249238" y="1395412"/>
-            <a:ext cx="4467225" cy="3120553"/>
-          </a:xfrm>
-        </p:spPr>
-        <p:txBody>
-          <a:bodyPr>
-            <a:normAutofit fontScale="47500" lnSpcReduction="20000"/>
-          </a:bodyPr>
-          <a:lstStyle/>
-          <a:p>
-            <a:pPr marL="0" indent="0">
-              <a:buNone/>
-            </a:pPr>
-            <a:r>
-              <a:rPr lang="en-US" sz="3800" u="sng" dirty="0">
-                <a:hlinkClick r:id="rId3"/>
-              </a:rPr>
-              <a:t>http://www.microsoftvirtualacademy.com</a:t>
-            </a:r>
-            <a:endParaRPr lang="hr-HR" sz="3800" dirty="0"/>
-          </a:p>
-          <a:p>
-            <a:pPr marL="0" indent="0">
-              <a:buNone/>
-            </a:pPr>
-            <a:endParaRPr lang="en-US" i="1" dirty="0" smtClean="0"/>
-          </a:p>
-          <a:p>
-            <a:pPr marL="0" indent="0">
-              <a:buNone/>
-            </a:pPr>
-            <a:r>
-              <a:rPr lang="hr-HR" b="1" dirty="0" smtClean="0"/>
-              <a:t>Uspješni </a:t>
-            </a:r>
-            <a:r>
-              <a:rPr lang="hr-HR" b="1" dirty="0"/>
-              <a:t>profesionalci nikad ne prestaju učiti. </a:t>
-            </a:r>
-            <a:r>
-              <a:rPr lang="hr-HR" b="1" dirty="0">
-                <a:solidFill>
-                  <a:srgbClr val="00B0F0"/>
-                </a:solidFill>
-              </a:rPr>
-              <a:t>Microsoft </a:t>
-            </a:r>
-            <a:r>
-              <a:rPr lang="hr-HR" b="1" dirty="0" err="1">
-                <a:solidFill>
-                  <a:srgbClr val="00B0F0"/>
-                </a:solidFill>
-              </a:rPr>
-              <a:t>Virtual</a:t>
-            </a:r>
-            <a:r>
-              <a:rPr lang="hr-HR" b="1" dirty="0">
-                <a:solidFill>
-                  <a:srgbClr val="00B0F0"/>
-                </a:solidFill>
-              </a:rPr>
-              <a:t> </a:t>
-            </a:r>
-            <a:r>
-              <a:rPr lang="hr-HR" b="1" dirty="0" err="1">
-                <a:solidFill>
-                  <a:srgbClr val="00B0F0"/>
-                </a:solidFill>
-              </a:rPr>
-              <a:t>Academy</a:t>
-            </a:r>
-            <a:r>
-              <a:rPr lang="hr-HR" b="1" dirty="0">
-                <a:solidFill>
-                  <a:srgbClr val="00B0F0"/>
-                </a:solidFill>
-              </a:rPr>
-              <a:t> </a:t>
-            </a:r>
-            <a:r>
-              <a:rPr lang="hr-HR" dirty="0"/>
-              <a:t>nudi online Microsoft </a:t>
-            </a:r>
-            <a:r>
-              <a:rPr lang="hr-HR" dirty="0" err="1" smtClean="0"/>
-              <a:t>tr</a:t>
-            </a:r>
-            <a:r>
-              <a:rPr lang="en-US" dirty="0" smtClean="0"/>
-              <a:t>e</a:t>
-            </a:r>
-            <a:r>
-              <a:rPr lang="hr-HR" dirty="0" err="1" smtClean="0"/>
-              <a:t>ninge</a:t>
-            </a:r>
-            <a:r>
-              <a:rPr lang="hr-HR" dirty="0" smtClean="0"/>
-              <a:t> </a:t>
-            </a:r>
-            <a:r>
-              <a:rPr lang="hr-HR" dirty="0"/>
-              <a:t>vođene od </a:t>
-            </a:r>
-            <a:r>
-              <a:rPr lang="hr-HR" dirty="0" smtClean="0"/>
-              <a:t>e</a:t>
-            </a:r>
-            <a:r>
-              <a:rPr lang="en-US" dirty="0" err="1" smtClean="0"/>
-              <a:t>ks</a:t>
-            </a:r>
-            <a:r>
-              <a:rPr lang="hr-HR" dirty="0" err="1" smtClean="0"/>
-              <a:t>perata</a:t>
-            </a:r>
-            <a:r>
-              <a:rPr lang="hr-HR" dirty="0" smtClean="0"/>
-              <a:t> </a:t>
-            </a:r>
-            <a:r>
-              <a:rPr lang="hr-HR" dirty="0"/>
-              <a:t>da pomognu profesionalcima u daljnjem usavršavanju. Treninzi su vođeni od vrhunskih stručnjaka na različitim tehnološkim područjima. Nakon odslušanog treninga možete također provjeriti svoje znanje.</a:t>
-            </a:r>
-          </a:p>
-          <a:p>
-            <a:pPr marL="0" indent="0">
-              <a:buNone/>
-            </a:pPr>
-            <a:endParaRPr lang="en-US" i="1" dirty="0" smtClean="0"/>
-          </a:p>
-          <a:p>
-            <a:pPr marL="0" indent="0">
-              <a:buNone/>
-            </a:pPr>
-            <a:r>
-              <a:rPr lang="hr-HR" dirty="0" smtClean="0"/>
-              <a:t>Za </a:t>
-            </a:r>
-            <a:r>
-              <a:rPr lang="hr-HR" dirty="0"/>
-              <a:t>bolje </a:t>
-            </a:r>
-            <a:r>
-              <a:rPr lang="hr-HR" dirty="0" smtClean="0"/>
-              <a:t>razum</a:t>
-            </a:r>
-            <a:r>
-              <a:rPr lang="en-US" dirty="0" err="1" smtClean="0"/>
-              <a:t>i</a:t>
-            </a:r>
-            <a:r>
-              <a:rPr lang="hr-HR" dirty="0" err="1" smtClean="0"/>
-              <a:t>jevanje</a:t>
-            </a:r>
-            <a:r>
-              <a:rPr lang="hr-HR" dirty="0" smtClean="0"/>
-              <a:t> </a:t>
-            </a:r>
-            <a:r>
-              <a:rPr lang="hr-HR" dirty="0"/>
-              <a:t>ovoga predavanja savjetujem da odslušate treninge na </a:t>
-            </a:r>
-            <a:r>
-              <a:rPr lang="hr-HR" dirty="0" smtClean="0"/>
-              <a:t>temu</a:t>
-            </a:r>
-            <a:r>
-              <a:rPr lang="en-US" dirty="0" smtClean="0"/>
-              <a:t>:</a:t>
-            </a:r>
-            <a:br>
-              <a:rPr lang="en-US" dirty="0" smtClean="0"/>
-            </a:br>
-            <a:r>
-              <a:rPr lang="en-US" dirty="0" smtClean="0">
-                <a:solidFill>
-                  <a:srgbClr val="00B0F0"/>
-                </a:solidFill>
-              </a:rPr>
-              <a:t>XXX1</a:t>
-            </a:r>
-            <a:r>
-              <a:rPr lang="en-US" dirty="0" smtClean="0"/>
-              <a:t/>
-            </a:r>
-            <a:br>
-              <a:rPr lang="en-US" dirty="0" smtClean="0"/>
-            </a:br>
-            <a:r>
-              <a:rPr lang="en-US" dirty="0" smtClean="0">
-                <a:solidFill>
-                  <a:srgbClr val="00B0F0"/>
-                </a:solidFill>
-              </a:rPr>
-              <a:t>XXX2</a:t>
-            </a:r>
-            <a:r>
-              <a:rPr lang="en-US" dirty="0" smtClean="0"/>
-              <a:t/>
-            </a:r>
-            <a:br>
-              <a:rPr lang="en-US" dirty="0" smtClean="0"/>
-            </a:br>
-            <a:r>
-              <a:rPr lang="en-US" dirty="0" smtClean="0">
-                <a:solidFill>
-                  <a:srgbClr val="00B0F0"/>
-                </a:solidFill>
-              </a:rPr>
-              <a:t>XXX3</a:t>
-            </a:r>
-            <a:endParaRPr lang="hr-HR" dirty="0">
-              <a:solidFill>
-                <a:srgbClr val="00B0F0"/>
-              </a:solidFill>
-            </a:endParaRPr>
-          </a:p>
-          <a:p>
-            <a:endParaRPr lang="hr-HR" dirty="0"/>
-          </a:p>
-        </p:txBody>
-      </p:sp>
-      <p:sp>
-        <p:nvSpPr>
-          <p:cNvPr id="3" name="Text Placeholder 2"/>
-          <p:cNvSpPr>
-            <a:spLocks noGrp="1"/>
-          </p:cNvSpPr>
-          <p:nvPr>
-            <p:ph type="body" sz="quarter" idx="11"/>
-          </p:nvPr>
-        </p:nvSpPr>
-        <p:spPr>
-          <a:xfrm>
-            <a:off x="5580063" y="700187"/>
-            <a:ext cx="3168650" cy="3887787"/>
-          </a:xfrm>
-        </p:spPr>
-        <p:txBody>
-          <a:bodyPr>
-            <a:normAutofit/>
-          </a:bodyPr>
-          <a:lstStyle/>
-          <a:p>
-            <a:pPr marL="0" indent="0">
-              <a:buNone/>
-            </a:pPr>
-            <a:r>
-              <a:rPr lang="en-US" dirty="0" err="1" smtClean="0"/>
-              <a:t>Naziv</a:t>
-            </a:r>
-            <a:r>
-              <a:rPr lang="en-US" dirty="0" smtClean="0"/>
-              <a:t> </a:t>
-            </a:r>
-            <a:r>
-              <a:rPr lang="en-US" dirty="0" err="1" smtClean="0"/>
-              <a:t>treninga</a:t>
-            </a:r>
-            <a:r>
-              <a:rPr lang="en-US" dirty="0" smtClean="0"/>
-              <a:t> 1</a:t>
-            </a:r>
-            <a:br>
-              <a:rPr lang="en-US" dirty="0" smtClean="0"/>
-            </a:br>
-            <a:r>
-              <a:rPr lang="en-US" sz="1800" dirty="0">
-                <a:solidFill>
-                  <a:srgbClr val="FFC000"/>
-                </a:solidFill>
-              </a:rPr>
-              <a:t>link1</a:t>
-            </a:r>
-          </a:p>
-          <a:p>
-            <a:pPr marL="0" indent="0">
-              <a:buNone/>
-            </a:pPr>
-            <a:r>
-              <a:rPr lang="en-US" dirty="0" err="1" smtClean="0"/>
-              <a:t>Naziv</a:t>
-            </a:r>
-            <a:r>
-              <a:rPr lang="en-US" dirty="0" smtClean="0"/>
-              <a:t> </a:t>
-            </a:r>
-            <a:r>
-              <a:rPr lang="en-US" dirty="0" err="1" smtClean="0"/>
-              <a:t>treninga</a:t>
-            </a:r>
-            <a:r>
-              <a:rPr lang="en-US" dirty="0" smtClean="0"/>
-              <a:t> 2</a:t>
-            </a:r>
-            <a:br>
-              <a:rPr lang="en-US" dirty="0" smtClean="0"/>
-            </a:br>
-            <a:r>
-              <a:rPr lang="en-US" sz="1800" dirty="0">
-                <a:solidFill>
-                  <a:srgbClr val="FFC000"/>
-                </a:solidFill>
-              </a:rPr>
-              <a:t>link1</a:t>
-            </a:r>
-          </a:p>
-          <a:p>
-            <a:pPr marL="0" indent="0">
-              <a:buNone/>
-            </a:pPr>
-            <a:r>
-              <a:rPr lang="en-US" dirty="0" err="1" smtClean="0"/>
-              <a:t>Naziv</a:t>
-            </a:r>
-            <a:r>
-              <a:rPr lang="en-US" dirty="0" smtClean="0"/>
-              <a:t> </a:t>
-            </a:r>
-            <a:r>
-              <a:rPr lang="en-US" dirty="0" err="1" smtClean="0"/>
-              <a:t>treninga</a:t>
-            </a:r>
-            <a:r>
-              <a:rPr lang="en-US" dirty="0" smtClean="0"/>
-              <a:t> 3</a:t>
-            </a:r>
-            <a:br>
-              <a:rPr lang="en-US" dirty="0" smtClean="0"/>
-            </a:br>
-            <a:r>
-              <a:rPr lang="en-US" sz="1800" dirty="0" smtClean="0">
-                <a:solidFill>
-                  <a:srgbClr val="FFC000"/>
-                </a:solidFill>
-              </a:rPr>
-              <a:t>link1</a:t>
-            </a:r>
-            <a:endParaRPr lang="en-US" sz="1800" dirty="0">
-              <a:solidFill>
-                <a:srgbClr val="FFC000"/>
-              </a:solidFill>
-            </a:endParaRPr>
-          </a:p>
-        </p:txBody>
-      </p:sp>
-    </p:spTree>
-    <p:extLst>
-      <p:ext uri="{BB962C8B-B14F-4D97-AF65-F5344CB8AC3E}">
-        <p14:creationId xmlns:p14="http://schemas.microsoft.com/office/powerpoint/2010/main" val="588783349"/>
-      </p:ext>
-    </p:extLst>
-  </p:cSld>
-  <p:clrMapOvr>
-    <a:masterClrMapping/>
-  </p:clrMapOvr>
-  <mc:AlternateContent xmlns:mc="http://schemas.openxmlformats.org/markup-compatibility/2006" xmlns:p14="http://schemas.microsoft.com/office/powerpoint/2010/main">
-    <mc:Choice Requires="p14">
-      <p:transition spd="slow" p14:dur="1600">
-        <p14:gallery dir="l"/>
-      </p:transition>
-    </mc:Choice>
-    <mc:Fallback xmlns="">
-      <p:transition spd="slow">
-        <p:fade/>
-      </p:transition>
-    </mc:Fallback>
-  </mc:AlternateContent>
-  <p:timing>
-    <p:tnLst>
-      <p:par>
-        <p:cTn id="1" dur="indefinite" restart="never" nodeType="tmRoot"/>
-      </p:par>
-    </p:tnLst>
-  </p:timing>
-</p:sld>
-</file>
-
-<file path=ppt/slides/slide18.xml><?xml version="1.0" encoding="utf-8"?>
-<p:sld xmlns:a="http://schemas.openxmlformats.org/drawingml/2006/main" xmlns:r="http://schemas.openxmlformats.org/officeDocument/2006/relationships" xmlns:p="http://schemas.openxmlformats.org/presentationml/2006/main">
-  <p:cSld>
-    <p:spTree>
-      <p:nvGrpSpPr>
-        <p:cNvPr id="1" name=""/>
-        <p:cNvGrpSpPr/>
-        <p:nvPr/>
-      </p:nvGrpSpPr>
-      <p:grpSpPr>
-        <a:xfrm>
-          <a:off x="0" y="0"/>
-          <a:ext cx="0" cy="0"/>
-          <a:chOff x="0" y="0"/>
-          <a:chExt cx="0" cy="0"/>
-        </a:xfrm>
-      </p:grpSpPr>
-    </p:spTree>
-    <p:extLst>
-      <p:ext uri="{BB962C8B-B14F-4D97-AF65-F5344CB8AC3E}">
-        <p14:creationId xmlns:p14="http://schemas.microsoft.com/office/powerpoint/2010/main" val="2442296191"/>
       </p:ext>
     </p:extLst>
   </p:cSld>
@@ -10162,6 +10150,462 @@
     <p:extLst>
       <p:ext uri="{BB962C8B-B14F-4D97-AF65-F5344CB8AC3E}">
         <p14:creationId xmlns:p14="http://schemas.microsoft.com/office/powerpoint/2010/main" val="2282777751"/>
+      </p:ext>
+    </p:extLst>
+  </p:cSld>
+  <p:clrMapOvr>
+    <a:masterClrMapping/>
+  </p:clrMapOvr>
+  <mc:AlternateContent xmlns:mc="http://schemas.openxmlformats.org/markup-compatibility/2006" xmlns:p14="http://schemas.microsoft.com/office/powerpoint/2010/main">
+    <mc:Choice Requires="p14">
+      <p:transition spd="slow" p14:dur="1600">
+        <p14:gallery dir="l"/>
+      </p:transition>
+    </mc:Choice>
+    <mc:Fallback xmlns="">
+      <p:transition spd="slow">
+        <p:fade/>
+      </p:transition>
+    </mc:Fallback>
+  </mc:AlternateContent>
+  <p:timing>
+    <p:tnLst>
+      <p:par>
+        <p:cTn id="1" dur="indefinite" restart="never" nodeType="tmRoot"/>
+      </p:par>
+    </p:tnLst>
+  </p:timing>
+</p:sld>
+</file>
+
+<file path=ppt/slides/slide20.xml><?xml version="1.0" encoding="utf-8"?>
+<p:sld xmlns:a="http://schemas.openxmlformats.org/drawingml/2006/main" xmlns:r="http://schemas.openxmlformats.org/officeDocument/2006/relationships" xmlns:p="http://schemas.openxmlformats.org/presentationml/2006/main">
+  <p:cSld>
+    <p:spTree>
+      <p:nvGrpSpPr>
+        <p:cNvPr id="1" name=""/>
+        <p:cNvGrpSpPr/>
+        <p:nvPr/>
+      </p:nvGrpSpPr>
+      <p:grpSpPr>
+        <a:xfrm>
+          <a:off x="0" y="0"/>
+          <a:ext cx="0" cy="0"/>
+          <a:chOff x="0" y="0"/>
+          <a:chExt cx="0" cy="0"/>
+        </a:xfrm>
+      </p:grpSpPr>
+      <p:sp>
+        <p:nvSpPr>
+          <p:cNvPr id="2" name="Text Placeholder 1"/>
+          <p:cNvSpPr>
+            <a:spLocks noGrp="1"/>
+          </p:cNvSpPr>
+          <p:nvPr>
+            <p:ph type="body" sz="quarter" idx="10"/>
+          </p:nvPr>
+        </p:nvSpPr>
+        <p:spPr>
+          <a:xfrm>
+            <a:off x="249238" y="1395412"/>
+            <a:ext cx="4467225" cy="3120553"/>
+          </a:xfrm>
+        </p:spPr>
+        <p:txBody>
+          <a:bodyPr>
+            <a:normAutofit fontScale="47500" lnSpcReduction="20000"/>
+          </a:bodyPr>
+          <a:lstStyle/>
+          <a:p>
+            <a:pPr marL="0" indent="0">
+              <a:buNone/>
+            </a:pPr>
+            <a:r>
+              <a:rPr lang="en-US" sz="3800" u="sng" dirty="0">
+                <a:hlinkClick r:id="rId3"/>
+              </a:rPr>
+              <a:t>http://www.microsoftvirtualacademy.com</a:t>
+            </a:r>
+            <a:endParaRPr lang="hr-HR" sz="3800" dirty="0"/>
+          </a:p>
+          <a:p>
+            <a:pPr marL="0" indent="0">
+              <a:buNone/>
+            </a:pPr>
+            <a:endParaRPr lang="en-US" i="1" dirty="0" smtClean="0"/>
+          </a:p>
+          <a:p>
+            <a:pPr marL="0" indent="0">
+              <a:buNone/>
+            </a:pPr>
+            <a:r>
+              <a:rPr lang="hr-HR" b="1" dirty="0" smtClean="0"/>
+              <a:t>Uspješni </a:t>
+            </a:r>
+            <a:r>
+              <a:rPr lang="hr-HR" b="1" dirty="0"/>
+              <a:t>profesionalci nikad ne prestaju učiti. </a:t>
+            </a:r>
+            <a:r>
+              <a:rPr lang="hr-HR" b="1" dirty="0">
+                <a:solidFill>
+                  <a:srgbClr val="00B0F0"/>
+                </a:solidFill>
+              </a:rPr>
+              <a:t>Microsoft </a:t>
+            </a:r>
+            <a:r>
+              <a:rPr lang="hr-HR" b="1" dirty="0" err="1">
+                <a:solidFill>
+                  <a:srgbClr val="00B0F0"/>
+                </a:solidFill>
+              </a:rPr>
+              <a:t>Virtual</a:t>
+            </a:r>
+            <a:r>
+              <a:rPr lang="hr-HR" b="1" dirty="0">
+                <a:solidFill>
+                  <a:srgbClr val="00B0F0"/>
+                </a:solidFill>
+              </a:rPr>
+              <a:t> </a:t>
+            </a:r>
+            <a:r>
+              <a:rPr lang="hr-HR" b="1" dirty="0" err="1">
+                <a:solidFill>
+                  <a:srgbClr val="00B0F0"/>
+                </a:solidFill>
+              </a:rPr>
+              <a:t>Academy</a:t>
+            </a:r>
+            <a:r>
+              <a:rPr lang="hr-HR" b="1" dirty="0">
+                <a:solidFill>
+                  <a:srgbClr val="00B0F0"/>
+                </a:solidFill>
+              </a:rPr>
+              <a:t> </a:t>
+            </a:r>
+            <a:r>
+              <a:rPr lang="hr-HR" dirty="0"/>
+              <a:t>nudi online Microsoft </a:t>
+            </a:r>
+            <a:r>
+              <a:rPr lang="hr-HR" dirty="0" err="1" smtClean="0"/>
+              <a:t>tr</a:t>
+            </a:r>
+            <a:r>
+              <a:rPr lang="en-US" dirty="0" smtClean="0"/>
+              <a:t>e</a:t>
+            </a:r>
+            <a:r>
+              <a:rPr lang="hr-HR" dirty="0" err="1" smtClean="0"/>
+              <a:t>ninge</a:t>
+            </a:r>
+            <a:r>
+              <a:rPr lang="hr-HR" dirty="0" smtClean="0"/>
+              <a:t> </a:t>
+            </a:r>
+            <a:r>
+              <a:rPr lang="hr-HR" dirty="0"/>
+              <a:t>vođene od </a:t>
+            </a:r>
+            <a:r>
+              <a:rPr lang="hr-HR" dirty="0" smtClean="0"/>
+              <a:t>e</a:t>
+            </a:r>
+            <a:r>
+              <a:rPr lang="en-US" dirty="0" err="1" smtClean="0"/>
+              <a:t>ks</a:t>
+            </a:r>
+            <a:r>
+              <a:rPr lang="hr-HR" dirty="0" err="1" smtClean="0"/>
+              <a:t>perata</a:t>
+            </a:r>
+            <a:r>
+              <a:rPr lang="hr-HR" dirty="0" smtClean="0"/>
+              <a:t> </a:t>
+            </a:r>
+            <a:r>
+              <a:rPr lang="hr-HR" dirty="0"/>
+              <a:t>da pomognu profesionalcima u daljnjem usavršavanju. Treninzi su vođeni od vrhunskih stručnjaka na različitim tehnološkim područjima. Nakon odslušanog treninga možete također provjeriti svoje znanje.</a:t>
+            </a:r>
+          </a:p>
+          <a:p>
+            <a:pPr marL="0" indent="0">
+              <a:buNone/>
+            </a:pPr>
+            <a:endParaRPr lang="en-US" i="1" dirty="0" smtClean="0"/>
+          </a:p>
+          <a:p>
+            <a:pPr marL="0" indent="0">
+              <a:buNone/>
+            </a:pPr>
+            <a:r>
+              <a:rPr lang="hr-HR" dirty="0" smtClean="0"/>
+              <a:t>Za </a:t>
+            </a:r>
+            <a:r>
+              <a:rPr lang="hr-HR" dirty="0"/>
+              <a:t>bolje </a:t>
+            </a:r>
+            <a:r>
+              <a:rPr lang="hr-HR" dirty="0" smtClean="0"/>
+              <a:t>razum</a:t>
+            </a:r>
+            <a:r>
+              <a:rPr lang="en-US" dirty="0" err="1" smtClean="0"/>
+              <a:t>i</a:t>
+            </a:r>
+            <a:r>
+              <a:rPr lang="hr-HR" dirty="0" err="1" smtClean="0"/>
+              <a:t>jevanje</a:t>
+            </a:r>
+            <a:r>
+              <a:rPr lang="hr-HR" dirty="0" smtClean="0"/>
+              <a:t> </a:t>
+            </a:r>
+            <a:r>
+              <a:rPr lang="hr-HR" dirty="0"/>
+              <a:t>ovoga predavanja savjetujem da odslušate treninge na </a:t>
+            </a:r>
+            <a:r>
+              <a:rPr lang="hr-HR" dirty="0" smtClean="0"/>
+              <a:t>temu</a:t>
+            </a:r>
+            <a:r>
+              <a:rPr lang="en-US" dirty="0" smtClean="0"/>
+              <a:t>:</a:t>
+            </a:r>
+            <a:br>
+              <a:rPr lang="en-US" dirty="0" smtClean="0"/>
+            </a:br>
+            <a:r>
+              <a:rPr lang="en-US" dirty="0" smtClean="0">
+                <a:solidFill>
+                  <a:srgbClr val="00B0F0"/>
+                </a:solidFill>
+              </a:rPr>
+              <a:t>XXX1</a:t>
+            </a:r>
+            <a:r>
+              <a:rPr lang="en-US" dirty="0" smtClean="0"/>
+              <a:t/>
+            </a:r>
+            <a:br>
+              <a:rPr lang="en-US" dirty="0" smtClean="0"/>
+            </a:br>
+            <a:r>
+              <a:rPr lang="en-US" dirty="0" smtClean="0">
+                <a:solidFill>
+                  <a:srgbClr val="00B0F0"/>
+                </a:solidFill>
+              </a:rPr>
+              <a:t>XXX2</a:t>
+            </a:r>
+            <a:r>
+              <a:rPr lang="en-US" dirty="0" smtClean="0"/>
+              <a:t/>
+            </a:r>
+            <a:br>
+              <a:rPr lang="en-US" dirty="0" smtClean="0"/>
+            </a:br>
+            <a:r>
+              <a:rPr lang="en-US" dirty="0" smtClean="0">
+                <a:solidFill>
+                  <a:srgbClr val="00B0F0"/>
+                </a:solidFill>
+              </a:rPr>
+              <a:t>XXX3</a:t>
+            </a:r>
+            <a:endParaRPr lang="hr-HR" dirty="0">
+              <a:solidFill>
+                <a:srgbClr val="00B0F0"/>
+              </a:solidFill>
+            </a:endParaRPr>
+          </a:p>
+          <a:p>
+            <a:endParaRPr lang="hr-HR" dirty="0"/>
+          </a:p>
+        </p:txBody>
+      </p:sp>
+      <p:sp>
+        <p:nvSpPr>
+          <p:cNvPr id="3" name="Text Placeholder 2"/>
+          <p:cNvSpPr>
+            <a:spLocks noGrp="1"/>
+          </p:cNvSpPr>
+          <p:nvPr>
+            <p:ph type="body" sz="quarter" idx="11"/>
+          </p:nvPr>
+        </p:nvSpPr>
+        <p:spPr>
+          <a:xfrm>
+            <a:off x="5580063" y="700187"/>
+            <a:ext cx="3168650" cy="3887787"/>
+          </a:xfrm>
+        </p:spPr>
+        <p:txBody>
+          <a:bodyPr>
+            <a:normAutofit/>
+          </a:bodyPr>
+          <a:lstStyle/>
+          <a:p>
+            <a:pPr marL="0" indent="0">
+              <a:buNone/>
+            </a:pPr>
+            <a:r>
+              <a:rPr lang="en-US" dirty="0" err="1" smtClean="0"/>
+              <a:t>Naziv</a:t>
+            </a:r>
+            <a:r>
+              <a:rPr lang="en-US" dirty="0" smtClean="0"/>
+              <a:t> </a:t>
+            </a:r>
+            <a:r>
+              <a:rPr lang="en-US" dirty="0" err="1" smtClean="0"/>
+              <a:t>treninga</a:t>
+            </a:r>
+            <a:r>
+              <a:rPr lang="en-US" dirty="0" smtClean="0"/>
+              <a:t> 1</a:t>
+            </a:r>
+            <a:br>
+              <a:rPr lang="en-US" dirty="0" smtClean="0"/>
+            </a:br>
+            <a:r>
+              <a:rPr lang="en-US" sz="1800" dirty="0">
+                <a:solidFill>
+                  <a:srgbClr val="FFC000"/>
+                </a:solidFill>
+              </a:rPr>
+              <a:t>link1</a:t>
+            </a:r>
+          </a:p>
+          <a:p>
+            <a:pPr marL="0" indent="0">
+              <a:buNone/>
+            </a:pPr>
+            <a:r>
+              <a:rPr lang="en-US" dirty="0" err="1" smtClean="0"/>
+              <a:t>Naziv</a:t>
+            </a:r>
+            <a:r>
+              <a:rPr lang="en-US" dirty="0" smtClean="0"/>
+              <a:t> </a:t>
+            </a:r>
+            <a:r>
+              <a:rPr lang="en-US" dirty="0" err="1" smtClean="0"/>
+              <a:t>treninga</a:t>
+            </a:r>
+            <a:r>
+              <a:rPr lang="en-US" dirty="0" smtClean="0"/>
+              <a:t> 2</a:t>
+            </a:r>
+            <a:br>
+              <a:rPr lang="en-US" dirty="0" smtClean="0"/>
+            </a:br>
+            <a:r>
+              <a:rPr lang="en-US" sz="1800" dirty="0">
+                <a:solidFill>
+                  <a:srgbClr val="FFC000"/>
+                </a:solidFill>
+              </a:rPr>
+              <a:t>link1</a:t>
+            </a:r>
+          </a:p>
+          <a:p>
+            <a:pPr marL="0" indent="0">
+              <a:buNone/>
+            </a:pPr>
+            <a:r>
+              <a:rPr lang="en-US" dirty="0" err="1" smtClean="0"/>
+              <a:t>Naziv</a:t>
+            </a:r>
+            <a:r>
+              <a:rPr lang="en-US" dirty="0" smtClean="0"/>
+              <a:t> </a:t>
+            </a:r>
+            <a:r>
+              <a:rPr lang="en-US" dirty="0" err="1" smtClean="0"/>
+              <a:t>treninga</a:t>
+            </a:r>
+            <a:r>
+              <a:rPr lang="en-US" dirty="0" smtClean="0"/>
+              <a:t> 3</a:t>
+            </a:r>
+            <a:br>
+              <a:rPr lang="en-US" dirty="0" smtClean="0"/>
+            </a:br>
+            <a:r>
+              <a:rPr lang="en-US" sz="1800" dirty="0" smtClean="0">
+                <a:solidFill>
+                  <a:srgbClr val="FFC000"/>
+                </a:solidFill>
+              </a:rPr>
+              <a:t>link1</a:t>
+            </a:r>
+            <a:endParaRPr lang="en-US" sz="1800" dirty="0">
+              <a:solidFill>
+                <a:srgbClr val="FFC000"/>
+              </a:solidFill>
+            </a:endParaRPr>
+          </a:p>
+        </p:txBody>
+      </p:sp>
+    </p:spTree>
+    <p:extLst>
+      <p:ext uri="{BB962C8B-B14F-4D97-AF65-F5344CB8AC3E}">
+        <p14:creationId xmlns:p14="http://schemas.microsoft.com/office/powerpoint/2010/main" val="588783349"/>
+      </p:ext>
+    </p:extLst>
+  </p:cSld>
+  <p:clrMapOvr>
+    <a:masterClrMapping/>
+  </p:clrMapOvr>
+  <mc:AlternateContent xmlns:mc="http://schemas.openxmlformats.org/markup-compatibility/2006" xmlns:p14="http://schemas.microsoft.com/office/powerpoint/2010/main">
+    <mc:Choice Requires="p14">
+      <p:transition spd="slow" p14:dur="1600">
+        <p14:gallery dir="l"/>
+      </p:transition>
+    </mc:Choice>
+    <mc:Fallback xmlns="">
+      <p:transition spd="slow">
+        <p:fade/>
+      </p:transition>
+    </mc:Fallback>
+  </mc:AlternateContent>
+  <p:timing>
+    <p:tnLst>
+      <p:par>
+        <p:cTn id="1" dur="indefinite" restart="never" nodeType="tmRoot"/>
+      </p:par>
+    </p:tnLst>
+  </p:timing>
+</p:sld>
+</file>
+
+<file path=ppt/slides/slide21.xml><?xml version="1.0" encoding="utf-8"?>
+<p:sld xmlns:a="http://schemas.openxmlformats.org/drawingml/2006/main" xmlns:r="http://schemas.openxmlformats.org/officeDocument/2006/relationships" xmlns:p="http://schemas.openxmlformats.org/presentationml/2006/main">
+  <p:cSld>
+    <p:spTree>
+      <p:nvGrpSpPr>
+        <p:cNvPr id="1" name=""/>
+        <p:cNvGrpSpPr/>
+        <p:nvPr/>
+      </p:nvGrpSpPr>
+      <p:grpSpPr>
+        <a:xfrm>
+          <a:off x="0" y="0"/>
+          <a:ext cx="0" cy="0"/>
+          <a:chOff x="0" y="0"/>
+          <a:chExt cx="0" cy="0"/>
+        </a:xfrm>
+      </p:grpSpPr>
+    </p:spTree>
+    <p:extLst>
+      <p:ext uri="{BB962C8B-B14F-4D97-AF65-F5344CB8AC3E}">
+        <p14:creationId xmlns:p14="http://schemas.microsoft.com/office/powerpoint/2010/main" val="2442296191"/>
       </p:ext>
     </p:extLst>
   </p:cSld>
@@ -10839,11 +11283,7 @@
           <a:p>
             <a:r>
               <a:rPr lang="en-US" dirty="0" smtClean="0"/>
-              <a:t>Mono - </a:t>
-            </a:r>
-            <a:r>
-              <a:rPr lang="en-US" dirty="0" smtClean="0"/>
-              <a:t>facts</a:t>
+              <a:t>Mono - facts</a:t>
             </a:r>
             <a:endParaRPr lang="en-CA" dirty="0"/>
           </a:p>
@@ -10947,13 +11387,7 @@
               <a:rPr lang="en-US">
                 <a:hlinkClick r:id="rId3"/>
               </a:rPr>
-              <a:t>http://</a:t>
-            </a:r>
-            <a:r>
-              <a:rPr lang="en-US">
-                <a:hlinkClick r:id="rId3"/>
-              </a:rPr>
-              <a:t>xamarin.com</a:t>
+              <a:t>http://xamarin.com</a:t>
             </a:r>
             <a:r>
               <a:rPr lang="en-US" smtClean="0">
@@ -11037,11 +11471,7 @@
           <a:p>
             <a:r>
               <a:rPr lang="en-US" dirty="0" smtClean="0"/>
-              <a:t>ASP.net </a:t>
-            </a:r>
-            <a:r>
-              <a:rPr lang="en-US" dirty="0" smtClean="0"/>
-              <a:t>v.5</a:t>
+              <a:t>ASP.net v.5</a:t>
             </a:r>
             <a:endParaRPr lang="en-CA" dirty="0"/>
           </a:p>
@@ -11635,7 +12065,7 @@
   <a:extraClrSchemeLst/>
   <a:extLst>
     <a:ext uri="{05A4C25C-085E-4340-85A3-A5531E510DB2}">
-      <thm15:themeFamily xmlns:thm15="http://schemas.microsoft.com/office/thememl/2012/main" xmlns="" name="Presentation3" id="{21657555-9C8B-45A1-BF67-A2396392EDCA}" vid="{D1FF537B-FC25-4A93-B7FA-0CE276DF409B}"/>
+      <thm15:themeFamily xmlns="" xmlns:thm15="http://schemas.microsoft.com/office/thememl/2012/main" name="Presentation3" id="{21657555-9C8B-45A1-BF67-A2396392EDCA}" vid="{D1FF537B-FC25-4A93-B7FA-0CE276DF409B}"/>
     </a:ext>
   </a:extLst>
 </a:theme>
@@ -11896,7 +12326,7 @@
   <a:extraClrSchemeLst/>
   <a:extLst>
     <a:ext uri="{05A4C25C-085E-4340-85A3-A5531E510DB2}">
-      <thm15:themeFamily xmlns:thm15="http://schemas.microsoft.com/office/thememl/2012/main" xmlns="" name="Office Theme" id="{62F939B6-93AF-4DB8-9C6B-D6C7DFDC589F}" vid="{4A3C46E8-61CC-4603-A589-7422A47A8E4A}"/>
+      <thm15:themeFamily xmlns="" xmlns:thm15="http://schemas.microsoft.com/office/thememl/2012/main" name="Office Theme" id="{62F939B6-93AF-4DB8-9C6B-D6C7DFDC589F}" vid="{4A3C46E8-61CC-4603-A589-7422A47A8E4A}"/>
     </a:ext>
   </a:extLst>
 </a:theme>

--- a/talk/Windays15 - ASP.net v.5 (vNext) on Linux and Mac OSX.pptx
+++ b/talk/Windays15 - ASP.net v.5 (vNext) on Linux and Mac OSX.pptx
@@ -12,17 +12,17 @@
     <p:sldId id="257" r:id="rId3"/>
     <p:sldId id="379" r:id="rId4"/>
     <p:sldId id="380" r:id="rId5"/>
-    <p:sldId id="381" r:id="rId6"/>
-    <p:sldId id="389" r:id="rId7"/>
-    <p:sldId id="394" r:id="rId8"/>
+    <p:sldId id="394" r:id="rId6"/>
+    <p:sldId id="381" r:id="rId7"/>
+    <p:sldId id="389" r:id="rId8"/>
     <p:sldId id="387" r:id="rId9"/>
-    <p:sldId id="388" r:id="rId10"/>
-    <p:sldId id="391" r:id="rId11"/>
+    <p:sldId id="400" r:id="rId10"/>
+    <p:sldId id="399" r:id="rId11"/>
     <p:sldId id="390" r:id="rId12"/>
     <p:sldId id="392" r:id="rId13"/>
-    <p:sldId id="393" r:id="rId14"/>
-    <p:sldId id="395" r:id="rId15"/>
-    <p:sldId id="396" r:id="rId16"/>
+    <p:sldId id="395" r:id="rId14"/>
+    <p:sldId id="396" r:id="rId15"/>
+    <p:sldId id="401" r:id="rId16"/>
     <p:sldId id="397" r:id="rId17"/>
     <p:sldId id="382" r:id="rId18"/>
     <p:sldId id="384" r:id="rId19"/>
@@ -129,7 +129,7 @@
   </p:defaultTextStyle>
   <p:extLst>
     <p:ext uri="{EFAFB233-063F-42B5-8137-9DF3F51BA10A}">
-      <p15:sldGuideLst xmlns="" xmlns:p15="http://schemas.microsoft.com/office/powerpoint/2012/main">
+      <p15:sldGuideLst xmlns:p15="http://schemas.microsoft.com/office/powerpoint/2012/main" xmlns="">
         <p15:guide id="1" orient="horz" pos="1620">
           <p15:clr>
             <a:srgbClr val="A4A3A4"/>
@@ -228,7 +228,7 @@
           <a:p>
             <a:fld id="{50FC99FD-3124-4BAE-BDEC-6DC0C66484C6}" type="datetimeFigureOut">
               <a:rPr lang="hr-HR" smtClean="0"/>
-              <a:t>21.4.2015</a:t>
+              <a:t>24.4.2015</a:t>
             </a:fld>
             <a:endParaRPr lang="hr-HR"/>
           </a:p>
@@ -7962,7 +7962,7 @@
           <a:p>
             <a:fld id="{1F091A5A-E06A-4EE6-BA7D-7692AADB5A4F}" type="datetimeFigureOut">
               <a:rPr lang="en-CA" smtClean="0"/>
-              <a:t>21/04/2015</a:t>
+              <a:t>24/04/2015</a:t>
             </a:fld>
             <a:endParaRPr lang="en-CA"/>
           </a:p>
@@ -8455,7 +8455,7 @@
         <p:spPr>
           <a:xfrm>
             <a:off x="1331640" y="2584524"/>
-            <a:ext cx="6480720" cy="2185214"/>
+            <a:ext cx="6480720" cy="1754326"/>
           </a:xfrm>
           <a:prstGeom prst="rect">
             <a:avLst/>
@@ -8469,7 +8469,7 @@
           <a:lstStyle/>
           <a:p>
             <a:r>
-              <a:rPr lang="en-US" sz="5400" dirty="0" smtClean="0">
+              <a:rPr lang="en-US" sz="4400" dirty="0" smtClean="0">
                 <a:solidFill>
                   <a:schemeClr val="bg1"/>
                 </a:solidFill>
@@ -8478,7 +8478,7 @@
               <a:t>ASP.net v.5 (</a:t>
             </a:r>
             <a:r>
-              <a:rPr lang="en-US" sz="5400" dirty="0" err="1" smtClean="0">
+              <a:rPr lang="en-US" sz="4400" dirty="0" err="1" smtClean="0">
                 <a:solidFill>
                   <a:schemeClr val="bg1"/>
                 </a:solidFill>
@@ -8487,7 +8487,7 @@
               <a:t>vNext</a:t>
             </a:r>
             <a:r>
-              <a:rPr lang="en-US" sz="5400" dirty="0" smtClean="0">
+              <a:rPr lang="en-US" sz="4400" dirty="0" smtClean="0">
                 <a:solidFill>
                   <a:schemeClr val="bg1"/>
                 </a:solidFill>
@@ -8496,7 +8496,7 @@
               <a:t>) on Linux and Mac OSX</a:t>
             </a:r>
             <a:r>
-              <a:rPr lang="hr-HR" sz="5400" dirty="0" smtClean="0">
+              <a:rPr lang="hr-HR" sz="4400" dirty="0" smtClean="0">
                 <a:solidFill>
                   <a:schemeClr val="bg1"/>
                 </a:solidFill>
@@ -8505,7 +8505,7 @@
               <a:t/>
             </a:r>
             <a:br>
-              <a:rPr lang="hr-HR" sz="5400" dirty="0" smtClean="0">
+              <a:rPr lang="hr-HR" sz="4400" dirty="0" smtClean="0">
                 <a:solidFill>
                   <a:schemeClr val="bg1"/>
                 </a:solidFill>
@@ -8513,7 +8513,7 @@
               </a:rPr>
             </a:br>
             <a:r>
-              <a:rPr lang="en-US" sz="2800" dirty="0" smtClean="0">
+              <a:rPr lang="en-US" sz="2000" dirty="0" smtClean="0">
                 <a:solidFill>
                   <a:schemeClr val="bg1"/>
                 </a:solidFill>
@@ -8522,7 +8522,7 @@
               <a:t>Miljenko Cvjetko</a:t>
             </a:r>
             <a:r>
-              <a:rPr lang="hr-HR" sz="2800" dirty="0" smtClean="0">
+              <a:rPr lang="hr-HR" sz="2000" dirty="0" smtClean="0">
                 <a:solidFill>
                   <a:schemeClr val="bg1"/>
                 </a:solidFill>
@@ -8531,7 +8531,7 @@
               <a:t>, </a:t>
             </a:r>
             <a:r>
-              <a:rPr lang="en-US" sz="2800" dirty="0" err="1" smtClean="0">
+              <a:rPr lang="en-US" sz="2000" dirty="0" err="1" smtClean="0">
                 <a:solidFill>
                   <a:schemeClr val="bg1"/>
                 </a:solidFill>
@@ -8540,24 +8540,15 @@
               <a:t>Xamarin</a:t>
             </a:r>
             <a:r>
-              <a:rPr lang="en-US" sz="2800" dirty="0" smtClean="0">
+              <a:rPr lang="en-US" sz="2000" dirty="0" smtClean="0">
                 <a:solidFill>
                   <a:schemeClr val="bg1"/>
                 </a:solidFill>
                 <a:latin typeface="Segoe UI Light" pitchFamily="34" charset="0"/>
               </a:rPr>
-              <a:t> </a:t>
-            </a:r>
-            <a:r>
-              <a:rPr lang="en-US" sz="2800" smtClean="0">
-                <a:solidFill>
-                  <a:schemeClr val="bg1"/>
-                </a:solidFill>
-                <a:latin typeface="Segoe UI Light" pitchFamily="34" charset="0"/>
-              </a:rPr>
-              <a:t>/ HolisticWare</a:t>
-            </a:r>
-            <a:endParaRPr lang="en-CA" sz="2800" dirty="0">
+              <a:t> / HolisticWare</a:t>
+            </a:r>
+            <a:endParaRPr lang="en-CA" sz="2000" dirty="0">
               <a:solidFill>
                 <a:schemeClr val="bg1"/>
               </a:solidFill>
@@ -8742,7 +8733,7 @@
           <a:p>
             <a:r>
               <a:rPr lang="en-US" dirty="0" smtClean="0"/>
-              <a:t>Package Manager</a:t>
+              <a:t>ASP.net 5 Installation</a:t>
             </a:r>
             <a:endParaRPr lang="en-CA" dirty="0"/>
           </a:p>
@@ -8750,31 +8741,166 @@
       </p:sp>
       <p:sp>
         <p:nvSpPr>
-          <p:cNvPr id="10" name="Content Placeholder 9"/>
+          <p:cNvPr id="6" name="Content Placeholder 5"/>
           <p:cNvSpPr>
             <a:spLocks noGrp="1"/>
           </p:cNvSpPr>
           <p:nvPr>
-            <p:ph sz="quarter" idx="4"/>
+            <p:ph sz="half" idx="2"/>
           </p:nvPr>
         </p:nvSpPr>
         <p:spPr>
           <a:xfrm>
-            <a:off x="395536" y="1203598"/>
-            <a:ext cx="8352928" cy="2963466"/>
+            <a:off x="467544" y="1048444"/>
+            <a:ext cx="8208912" cy="3467522"/>
           </a:xfrm>
         </p:spPr>
         <p:txBody>
-          <a:bodyPr/>
+          <a:bodyPr>
+            <a:normAutofit fontScale="85000" lnSpcReduction="20000"/>
+          </a:bodyPr>
           <a:lstStyle/>
           <a:p>
             <a:r>
+              <a:rPr lang="en-US" dirty="0" smtClean="0"/>
+              <a:t>Shell script</a:t>
+            </a:r>
+            <a:br>
+              <a:rPr lang="en-US" dirty="0" smtClean="0"/>
+            </a:br>
+            <a:r>
+              <a:rPr lang="en-US" dirty="0" smtClean="0"/>
+              <a:t>grabbing stuff from </a:t>
+            </a:r>
+            <a:r>
               <a:rPr lang="en-US" dirty="0" err="1" smtClean="0"/>
-              <a:t>kpm</a:t>
+              <a:t>github</a:t>
+            </a:r>
+            <a:r>
+              <a:rPr lang="en-US" dirty="0" smtClean="0"/>
+              <a:t> (like </a:t>
+            </a:r>
+            <a:r>
+              <a:rPr lang="en-US" dirty="0" err="1" smtClean="0"/>
+              <a:t>nuget</a:t>
+            </a:r>
+            <a:r>
+              <a:rPr lang="en-US" dirty="0" smtClean="0"/>
+              <a:t>)</a:t>
+            </a:r>
+          </a:p>
+          <a:p>
+            <a:pPr lvl="1"/>
+            <a:r>
+              <a:rPr lang="en-US" dirty="0" smtClean="0"/>
+              <a:t>Linux bash</a:t>
+            </a:r>
+          </a:p>
+          <a:p>
+            <a:pPr lvl="1"/>
+            <a:r>
+              <a:rPr lang="en-US" dirty="0" smtClean="0"/>
+              <a:t>Windows </a:t>
+            </a:r>
+            <a:r>
+              <a:rPr lang="en-US" dirty="0" err="1" smtClean="0"/>
+              <a:t>powershell</a:t>
             </a:r>
             <a:endParaRPr lang="en-US" dirty="0" smtClean="0"/>
           </a:p>
           <a:p>
+            <a:r>
+              <a:rPr lang="en-US" dirty="0" smtClean="0"/>
+              <a:t>Differs only in script</a:t>
+            </a:r>
+          </a:p>
+          <a:p>
+            <a:pPr lvl="1"/>
+            <a:r>
+              <a:rPr lang="en-US" dirty="0" smtClean="0"/>
+              <a:t>Stable[</a:t>
+            </a:r>
+            <a:r>
+              <a:rPr lang="en-US" dirty="0" err="1" smtClean="0"/>
+              <a:t>ish</a:t>
+            </a:r>
+            <a:r>
+              <a:rPr lang="en-US" dirty="0" smtClean="0"/>
+              <a:t>]: k</a:t>
+            </a:r>
+          </a:p>
+          <a:p>
+            <a:pPr lvl="1"/>
+            <a:r>
+              <a:rPr lang="en-US" dirty="0" smtClean="0"/>
+              <a:t>Optimistic: d </a:t>
+            </a:r>
+          </a:p>
+          <a:p>
+            <a:r>
+              <a:rPr lang="en-US" dirty="0" smtClean="0"/>
+              <a:t>Result</a:t>
+            </a:r>
+            <a:br>
+              <a:rPr lang="en-US" dirty="0" smtClean="0"/>
+            </a:br>
+            <a:r>
+              <a:rPr lang="en-US" dirty="0" smtClean="0"/>
+              <a:t>set of command line tools</a:t>
+            </a:r>
+          </a:p>
+          <a:p>
+            <a:pPr lvl="1"/>
+            <a:r>
+              <a:rPr lang="en-US" dirty="0" smtClean="0"/>
+              <a:t>Version manager: </a:t>
+            </a:r>
+            <a:r>
+              <a:rPr lang="en-US" dirty="0" err="1" smtClean="0"/>
+              <a:t>kvm</a:t>
+            </a:r>
+            <a:r>
+              <a:rPr lang="en-US" dirty="0"/>
+              <a:t> </a:t>
+            </a:r>
+            <a:r>
+              <a:rPr lang="en-US" dirty="0" smtClean="0"/>
+              <a:t>vs </a:t>
+            </a:r>
+            <a:r>
+              <a:rPr lang="en-US" dirty="0" err="1" smtClean="0"/>
+              <a:t>dnvm</a:t>
+            </a:r>
+            <a:endParaRPr lang="en-US" dirty="0" smtClean="0"/>
+          </a:p>
+          <a:p>
+            <a:pPr lvl="1"/>
+            <a:r>
+              <a:rPr lang="en-US" dirty="0" smtClean="0"/>
+              <a:t> runtime execution environment: k (</a:t>
+            </a:r>
+            <a:r>
+              <a:rPr lang="en-US" dirty="0" err="1" smtClean="0"/>
+              <a:t>kre</a:t>
+            </a:r>
+            <a:r>
+              <a:rPr lang="en-US" dirty="0" smtClean="0"/>
+              <a:t>) vs </a:t>
+            </a:r>
+            <a:r>
+              <a:rPr lang="en-US" dirty="0" err="1" smtClean="0"/>
+              <a:t>dnx</a:t>
+            </a:r>
+            <a:endParaRPr lang="en-US" dirty="0" smtClean="0"/>
+          </a:p>
+          <a:p>
+            <a:r>
+              <a:rPr lang="en-US" dirty="0" smtClean="0"/>
+              <a:t>CODE</a:t>
+            </a:r>
+          </a:p>
+          <a:p>
+            <a:pPr lvl="1"/>
             <a:endParaRPr lang="en-US" dirty="0"/>
           </a:p>
         </p:txBody>
@@ -8782,7 +8908,7 @@
     </p:spTree>
     <p:extLst>
       <p:ext uri="{BB962C8B-B14F-4D97-AF65-F5344CB8AC3E}">
-        <p14:creationId xmlns:p14="http://schemas.microsoft.com/office/powerpoint/2010/main" val="918980217"/>
+        <p14:creationId xmlns:p14="http://schemas.microsoft.com/office/powerpoint/2010/main" val="1678311042"/>
       </p:ext>
     </p:extLst>
   </p:cSld>
@@ -8869,8 +8995,12 @@
           <a:lstStyle/>
           <a:p>
             <a:r>
-              <a:rPr lang="hr-HR" dirty="0" smtClean="0"/>
-              <a:t>Sub theme of presentation</a:t>
+              <a:rPr lang="en-US" dirty="0" smtClean="0"/>
+              <a:t>Server alternatives on Linux and </a:t>
+            </a:r>
+            <a:r>
+              <a:rPr lang="en-US" dirty="0" err="1" smtClean="0"/>
+              <a:t>MacOSX</a:t>
             </a:r>
             <a:endParaRPr lang="en-CA" dirty="0"/>
           </a:p>
@@ -8942,11 +9072,7 @@
           <a:p>
             <a:r>
               <a:rPr lang="en-US" dirty="0" smtClean="0"/>
-              <a:t>Servers </a:t>
-            </a:r>
-            <a:r>
-              <a:rPr lang="en-US" dirty="0" err="1" smtClean="0"/>
-              <a:t>NoWin.vNext</a:t>
+              <a:t>Servers</a:t>
             </a:r>
             <a:endParaRPr lang="en-CA" dirty="0"/>
           </a:p>
@@ -8964,25 +9090,156 @@
         </p:nvSpPr>
         <p:spPr>
           <a:xfrm>
-            <a:off x="467544" y="1059582"/>
-            <a:ext cx="8136904" cy="2963466"/>
+            <a:off x="467544" y="987574"/>
+            <a:ext cx="8136904" cy="3528392"/>
           </a:xfrm>
         </p:spPr>
         <p:txBody>
-          <a:bodyPr/>
+          <a:bodyPr>
+            <a:normAutofit fontScale="85000" lnSpcReduction="20000"/>
+          </a:bodyPr>
           <a:lstStyle/>
           <a:p>
             <a:r>
+              <a:rPr lang="en-US" dirty="0" err="1" smtClean="0"/>
+              <a:t>Nowin.vNext</a:t>
+            </a:r>
+            <a:endParaRPr lang="en-US" dirty="0" smtClean="0"/>
+          </a:p>
+          <a:p>
+            <a:pPr lvl="1"/>
+            <a:r>
               <a:rPr lang="en-US" dirty="0" smtClean="0"/>
-              <a:t>Not a real server</a:t>
-            </a:r>
-          </a:p>
-          <a:p>
+              <a:t>Based </a:t>
+            </a:r>
             <a:r>
               <a:rPr lang="en-US" dirty="0" smtClean="0"/>
-              <a:t>Based on OWIN specification</a:t>
+              <a:t>on OWIN </a:t>
+            </a:r>
+            <a:r>
+              <a:rPr lang="en-US" dirty="0" smtClean="0"/>
+              <a:t>specification</a:t>
+            </a:r>
+          </a:p>
+          <a:p>
+            <a:r>
+              <a:rPr lang="en-US" dirty="0" smtClean="0"/>
+              <a:t>Kestrel</a:t>
+            </a:r>
+          </a:p>
+          <a:p>
+            <a:pPr lvl="1"/>
+            <a:r>
+              <a:rPr lang="en-US" dirty="0" smtClean="0"/>
+              <a:t>Development </a:t>
+            </a:r>
+            <a:r>
+              <a:rPr lang="en-US" dirty="0"/>
+              <a:t>server ~ IIS Express</a:t>
+            </a:r>
+          </a:p>
+          <a:p>
+            <a:pPr lvl="1"/>
+            <a:r>
+              <a:rPr lang="en-US" dirty="0">
+                <a:hlinkClick r:id="rId2"/>
+              </a:rPr>
+              <a:t>https://github.com/aspnet/KestrelHttpServer</a:t>
             </a:r>
             <a:endParaRPr lang="en-US" dirty="0"/>
+          </a:p>
+          <a:p>
+            <a:pPr lvl="1"/>
+            <a:r>
+              <a:rPr lang="en-US" dirty="0"/>
+              <a:t>Based on </a:t>
+            </a:r>
+            <a:r>
+              <a:rPr lang="en-US" dirty="0" err="1"/>
+              <a:t>libuv</a:t>
+            </a:r>
+            <a:endParaRPr lang="en-US" dirty="0"/>
+          </a:p>
+          <a:p>
+            <a:pPr lvl="2"/>
+            <a:r>
+              <a:rPr lang="en-US" dirty="0"/>
+              <a:t>Node.js</a:t>
+            </a:r>
+          </a:p>
+          <a:p>
+            <a:pPr lvl="2"/>
+            <a:r>
+              <a:rPr lang="en-US" dirty="0"/>
+              <a:t>multi-platform support library with a focus on asynchronous I/O</a:t>
+            </a:r>
+          </a:p>
+          <a:p>
+            <a:pPr lvl="2"/>
+            <a:r>
+              <a:rPr lang="en-US" dirty="0"/>
+              <a:t>Compilation</a:t>
+            </a:r>
+          </a:p>
+          <a:p>
+            <a:pPr lvl="2"/>
+            <a:r>
+              <a:rPr lang="en-US" dirty="0">
+                <a:hlinkClick r:id="rId3"/>
+              </a:rPr>
+              <a:t>https://</a:t>
+            </a:r>
+            <a:r>
+              <a:rPr lang="en-US" dirty="0" smtClean="0">
+                <a:hlinkClick r:id="rId3"/>
+              </a:rPr>
+              <a:t>github.com/libuv/libuv</a:t>
+            </a:r>
+            <a:endParaRPr lang="en-US" dirty="0" smtClean="0"/>
+          </a:p>
+          <a:p>
+            <a:r>
+              <a:rPr lang="en-US" dirty="0" smtClean="0"/>
+              <a:t>Firefly</a:t>
+            </a:r>
+          </a:p>
+          <a:p>
+            <a:pPr lvl="1"/>
+            <a:r>
+              <a:rPr lang="en-US" dirty="0">
+                <a:hlinkClick r:id="rId4"/>
+              </a:rPr>
+              <a:t>https://</a:t>
+            </a:r>
+            <a:r>
+              <a:rPr lang="en-US" dirty="0" smtClean="0">
+                <a:hlinkClick r:id="rId4"/>
+              </a:rPr>
+              <a:t>github.com/FireflyServer/firefly</a:t>
+            </a:r>
+            <a:endParaRPr lang="en-US" dirty="0" smtClean="0"/>
+          </a:p>
+          <a:p>
+            <a:r>
+              <a:rPr lang="en-US" dirty="0" smtClean="0"/>
+              <a:t>CODE</a:t>
+            </a:r>
+            <a:endParaRPr lang="en-US" dirty="0"/>
+          </a:p>
+          <a:p>
+            <a:pPr lvl="1"/>
+            <a:endParaRPr lang="en-US" dirty="0"/>
+          </a:p>
+          <a:p>
+            <a:pPr lvl="1"/>
+            <a:endParaRPr lang="en-US" dirty="0"/>
+          </a:p>
+          <a:p>
+            <a:endParaRPr lang="en-US" dirty="0" smtClean="0"/>
+          </a:p>
+          <a:p>
+            <a:pPr lvl="1"/>
+            <a:endParaRPr lang="en-US" dirty="0" smtClean="0"/>
           </a:p>
         </p:txBody>
       </p:sp>
@@ -9037,7 +9294,7 @@
       </p:grpSpPr>
       <p:sp>
         <p:nvSpPr>
-          <p:cNvPr id="4" name="Title 3"/>
+          <p:cNvPr id="3" name="Title 2"/>
           <p:cNvSpPr>
             <a:spLocks noGrp="1"/>
           </p:cNvSpPr>
@@ -9047,12 +9304,14 @@
         </p:nvSpPr>
         <p:spPr/>
         <p:txBody>
-          <a:bodyPr/>
+          <a:bodyPr>
+            <a:normAutofit/>
+          </a:bodyPr>
           <a:lstStyle/>
           <a:p>
             <a:r>
               <a:rPr lang="en-US" dirty="0" smtClean="0"/>
-              <a:t>Servers Kestrel</a:t>
+              <a:t>Development TOOLS</a:t>
             </a:r>
             <a:endParaRPr lang="en-CA" dirty="0"/>
           </a:p>
@@ -9060,113 +9319,31 @@
       </p:sp>
       <p:sp>
         <p:nvSpPr>
-          <p:cNvPr id="3" name="Content Placeholder 2"/>
+          <p:cNvPr id="4" name="Text Placeholder 3"/>
           <p:cNvSpPr>
             <a:spLocks noGrp="1"/>
           </p:cNvSpPr>
           <p:nvPr>
-            <p:ph sz="half" idx="2"/>
+            <p:ph type="body" idx="1"/>
           </p:nvPr>
         </p:nvSpPr>
-        <p:spPr>
-          <a:xfrm>
-            <a:off x="467544" y="1059582"/>
-            <a:ext cx="8136904" cy="2963466"/>
-          </a:xfrm>
-        </p:spPr>
+        <p:spPr/>
         <p:txBody>
-          <a:bodyPr>
-            <a:normAutofit/>
-          </a:bodyPr>
+          <a:bodyPr/>
           <a:lstStyle/>
           <a:p>
             <a:r>
               <a:rPr lang="en-US" dirty="0" smtClean="0"/>
-              <a:t>Development server ~ IIS Express</a:t>
-            </a:r>
-          </a:p>
-          <a:p>
-            <a:pPr lvl="1"/>
-            <a:r>
-              <a:rPr lang="en-US" dirty="0">
-                <a:hlinkClick r:id="rId2"/>
-              </a:rPr>
-              <a:t>https://</a:t>
-            </a:r>
-            <a:r>
-              <a:rPr lang="en-US" dirty="0" smtClean="0">
-                <a:hlinkClick r:id="rId2"/>
-              </a:rPr>
-              <a:t>github.com/aspnet/KestrelHttpServer</a:t>
-            </a:r>
-            <a:endParaRPr lang="en-US" dirty="0" smtClean="0"/>
-          </a:p>
-          <a:p>
-            <a:r>
-              <a:rPr lang="en-US" dirty="0" smtClean="0"/>
-              <a:t>Based on </a:t>
-            </a:r>
-            <a:r>
-              <a:rPr lang="en-US" dirty="0" err="1" smtClean="0"/>
-              <a:t>libuv</a:t>
-            </a:r>
-            <a:endParaRPr lang="en-US" dirty="0" smtClean="0"/>
-          </a:p>
-          <a:p>
-            <a:pPr lvl="1"/>
-            <a:r>
-              <a:rPr lang="en-US" dirty="0" smtClean="0"/>
-              <a:t>Node.js</a:t>
-            </a:r>
-          </a:p>
-          <a:p>
-            <a:pPr lvl="1"/>
-            <a:r>
-              <a:rPr lang="en-US" dirty="0" smtClean="0"/>
-              <a:t>multi-platform </a:t>
-            </a:r>
-            <a:r>
-              <a:rPr lang="en-US" dirty="0"/>
-              <a:t>support library with a focus on asynchronous </a:t>
-            </a:r>
-            <a:r>
-              <a:rPr lang="en-US" dirty="0" smtClean="0"/>
-              <a:t>I/O</a:t>
-            </a:r>
-          </a:p>
-          <a:p>
-            <a:pPr lvl="1"/>
-            <a:r>
-              <a:rPr lang="en-US" dirty="0" smtClean="0"/>
-              <a:t>Compilation</a:t>
-            </a:r>
-          </a:p>
-          <a:p>
-            <a:pPr lvl="1"/>
-            <a:r>
-              <a:rPr lang="en-US" dirty="0">
-                <a:hlinkClick r:id="rId3"/>
-              </a:rPr>
-              <a:t>https://</a:t>
-            </a:r>
-            <a:r>
-              <a:rPr lang="en-US" dirty="0" smtClean="0">
-                <a:hlinkClick r:id="rId3"/>
-              </a:rPr>
-              <a:t>github.com/libuv/libuv</a:t>
-            </a:r>
-            <a:endParaRPr lang="en-US" dirty="0" smtClean="0"/>
-          </a:p>
-          <a:p>
-            <a:pPr lvl="1"/>
-            <a:endParaRPr lang="en-US" dirty="0"/>
+              <a:t>Development Options</a:t>
+            </a:r>
+            <a:endParaRPr lang="en-CA" dirty="0"/>
           </a:p>
         </p:txBody>
       </p:sp>
     </p:spTree>
     <p:extLst>
       <p:ext uri="{BB962C8B-B14F-4D97-AF65-F5344CB8AC3E}">
-        <p14:creationId xmlns:p14="http://schemas.microsoft.com/office/powerpoint/2010/main" val="402459984"/>
+        <p14:creationId xmlns:p14="http://schemas.microsoft.com/office/powerpoint/2010/main" val="2905002938"/>
       </p:ext>
     </p:extLst>
   </p:cSld>
@@ -9214,7 +9391,7 @@
       </p:grpSpPr>
       <p:sp>
         <p:nvSpPr>
-          <p:cNvPr id="3" name="Title 2"/>
+          <p:cNvPr id="4" name="Title 3"/>
           <p:cNvSpPr>
             <a:spLocks noGrp="1"/>
           </p:cNvSpPr>
@@ -9224,6 +9401,34 @@
         </p:nvSpPr>
         <p:spPr/>
         <p:txBody>
+          <a:bodyPr/>
+          <a:lstStyle/>
+          <a:p>
+            <a:r>
+              <a:rPr lang="en-US" dirty="0" smtClean="0"/>
+              <a:t>Tools: Editors</a:t>
+            </a:r>
+            <a:endParaRPr lang="en-CA" dirty="0"/>
+          </a:p>
+        </p:txBody>
+      </p:sp>
+      <p:sp>
+        <p:nvSpPr>
+          <p:cNvPr id="3" name="Content Placeholder 2"/>
+          <p:cNvSpPr>
+            <a:spLocks noGrp="1"/>
+          </p:cNvSpPr>
+          <p:nvPr>
+            <p:ph sz="half" idx="2"/>
+          </p:nvPr>
+        </p:nvSpPr>
+        <p:spPr>
+          <a:xfrm>
+            <a:off x="467544" y="1059582"/>
+            <a:ext cx="8136904" cy="3384376"/>
+          </a:xfrm>
+        </p:spPr>
+        <p:txBody>
           <a:bodyPr>
             <a:normAutofit/>
           </a:bodyPr>
@@ -9231,39 +9436,71 @@
           <a:p>
             <a:r>
               <a:rPr lang="en-US" dirty="0" smtClean="0"/>
-              <a:t>Development TOOLS</a:t>
-            </a:r>
-            <a:endParaRPr lang="en-CA" dirty="0"/>
-          </a:p>
-        </p:txBody>
-      </p:sp>
-      <p:sp>
-        <p:nvSpPr>
-          <p:cNvPr id="4" name="Text Placeholder 3"/>
-          <p:cNvSpPr>
-            <a:spLocks noGrp="1"/>
-          </p:cNvSpPr>
-          <p:nvPr>
-            <p:ph type="body" idx="1"/>
-          </p:nvPr>
-        </p:nvSpPr>
-        <p:spPr/>
-        <p:txBody>
-          <a:bodyPr/>
-          <a:lstStyle/>
-          <a:p>
-            <a:r>
-              <a:rPr lang="hr-HR" dirty="0" smtClean="0"/>
-              <a:t>Sub theme of presentation</a:t>
-            </a:r>
-            <a:endParaRPr lang="en-CA" dirty="0"/>
+              <a:t>Editors</a:t>
+            </a:r>
+          </a:p>
+          <a:p>
+            <a:pPr lvl="1"/>
+            <a:r>
+              <a:rPr lang="en-US" dirty="0" smtClean="0"/>
+              <a:t>Sublime Text (</a:t>
+            </a:r>
+            <a:r>
+              <a:rPr lang="en-US" dirty="0" err="1" smtClean="0"/>
+              <a:t>Kulture</a:t>
+            </a:r>
+            <a:r>
+              <a:rPr lang="en-US" dirty="0" smtClean="0"/>
+              <a:t>)</a:t>
+            </a:r>
+          </a:p>
+          <a:p>
+            <a:pPr lvl="1"/>
+            <a:r>
+              <a:rPr lang="en-US" dirty="0" smtClean="0"/>
+              <a:t>Atom</a:t>
+            </a:r>
+          </a:p>
+          <a:p>
+            <a:pPr lvl="1"/>
+            <a:r>
+              <a:rPr lang="en-US" dirty="0" smtClean="0"/>
+              <a:t>Brackets</a:t>
+            </a:r>
+          </a:p>
+          <a:p>
+            <a:pPr lvl="1"/>
+            <a:r>
+              <a:rPr lang="en-US" dirty="0" err="1" smtClean="0"/>
+              <a:t>Emacs</a:t>
+            </a:r>
+            <a:endParaRPr lang="en-US" dirty="0" smtClean="0"/>
+          </a:p>
+          <a:p>
+            <a:pPr lvl="1"/>
+            <a:r>
+              <a:rPr lang="en-US" dirty="0"/>
+              <a:t>v</a:t>
+            </a:r>
+            <a:r>
+              <a:rPr lang="en-US" dirty="0" smtClean="0"/>
+              <a:t>i[m</a:t>
+            </a:r>
+            <a:r>
+              <a:rPr lang="en-US" dirty="0" smtClean="0"/>
+              <a:t>]</a:t>
+            </a:r>
+            <a:endParaRPr lang="en-US" dirty="0" smtClean="0"/>
+          </a:p>
+          <a:p>
+            <a:endParaRPr lang="en-US" dirty="0"/>
           </a:p>
         </p:txBody>
       </p:sp>
     </p:spTree>
     <p:extLst>
       <p:ext uri="{BB962C8B-B14F-4D97-AF65-F5344CB8AC3E}">
-        <p14:creationId xmlns:p14="http://schemas.microsoft.com/office/powerpoint/2010/main" val="2905002938"/>
+        <p14:creationId xmlns:p14="http://schemas.microsoft.com/office/powerpoint/2010/main" val="1193548691"/>
       </p:ext>
     </p:extLst>
   </p:cSld>
@@ -9326,7 +9563,7 @@
           <a:p>
             <a:r>
               <a:rPr lang="en-US" dirty="0" smtClean="0"/>
-              <a:t>Editors + Tools</a:t>
+              <a:t>Tools: Editors Advanced</a:t>
             </a:r>
             <a:endParaRPr lang="en-CA" dirty="0"/>
           </a:p>
@@ -9345,112 +9582,82 @@
         <p:spPr>
           <a:xfrm>
             <a:off x="467544" y="1059582"/>
-            <a:ext cx="8136904" cy="2963466"/>
+            <a:ext cx="8136904" cy="3384376"/>
           </a:xfrm>
         </p:spPr>
         <p:txBody>
           <a:bodyPr>
-            <a:normAutofit lnSpcReduction="10000"/>
+            <a:normAutofit/>
           </a:bodyPr>
           <a:lstStyle/>
           <a:p>
             <a:r>
+              <a:rPr lang="en-US" dirty="0" err="1" smtClean="0"/>
+              <a:t>Intellisense</a:t>
+            </a:r>
+            <a:r>
               <a:rPr lang="en-US" dirty="0" smtClean="0"/>
-              <a:t>Editors</a:t>
-            </a:r>
+              <a:t> / autocomplete</a:t>
+            </a:r>
+          </a:p>
+          <a:p>
+            <a:r>
+              <a:rPr lang="en-US" dirty="0"/>
+              <a:t>Editor plugin + </a:t>
+            </a:r>
+            <a:r>
+              <a:rPr lang="en-US" dirty="0" err="1"/>
+              <a:t>OmniSharp</a:t>
+            </a:r>
+            <a:r>
+              <a:rPr lang="en-US" dirty="0"/>
+              <a:t> </a:t>
+            </a:r>
+            <a:r>
+              <a:rPr lang="en-US" dirty="0" smtClean="0"/>
+              <a:t>server</a:t>
+            </a:r>
+            <a:endParaRPr lang="en-US" dirty="0"/>
           </a:p>
           <a:p>
             <a:pPr lvl="1"/>
             <a:r>
-              <a:rPr lang="en-US" dirty="0" smtClean="0"/>
-              <a:t>Sublime Text (</a:t>
-            </a:r>
-            <a:r>
-              <a:rPr lang="en-US" dirty="0" err="1" smtClean="0"/>
-              <a:t>Kulture</a:t>
-            </a:r>
-            <a:r>
-              <a:rPr lang="en-US" dirty="0" smtClean="0"/>
-              <a:t>)</a:t>
-            </a:r>
-            <a:endParaRPr lang="en-US" dirty="0" smtClean="0"/>
-          </a:p>
-          <a:p>
-            <a:pPr lvl="1"/>
-            <a:r>
-              <a:rPr lang="en-US" dirty="0" smtClean="0"/>
-              <a:t>Atom</a:t>
-            </a:r>
-          </a:p>
-          <a:p>
-            <a:pPr lvl="1"/>
-            <a:r>
-              <a:rPr lang="en-US" dirty="0" smtClean="0"/>
-              <a:t>Brackets</a:t>
-            </a:r>
-          </a:p>
-          <a:p>
-            <a:pPr lvl="1"/>
-            <a:r>
-              <a:rPr lang="en-US" dirty="0" err="1" smtClean="0"/>
-              <a:t>Emacs</a:t>
-            </a:r>
-            <a:endParaRPr lang="en-US" dirty="0" smtClean="0"/>
-          </a:p>
-          <a:p>
-            <a:pPr lvl="1"/>
-            <a:r>
-              <a:rPr lang="en-US" dirty="0"/>
-              <a:t>v</a:t>
-            </a:r>
-            <a:r>
-              <a:rPr lang="en-US" dirty="0" smtClean="0"/>
-              <a:t>i[m]</a:t>
-            </a:r>
-          </a:p>
-          <a:p>
-            <a:r>
-              <a:rPr lang="en-US" dirty="0" smtClean="0"/>
-              <a:t>Editor plugin + </a:t>
-            </a:r>
-            <a:r>
-              <a:rPr lang="en-US" dirty="0" err="1" smtClean="0"/>
-              <a:t>OmniSharp</a:t>
-            </a:r>
-            <a:r>
-              <a:rPr lang="en-US" dirty="0" smtClean="0"/>
-              <a:t> = </a:t>
-            </a:r>
-            <a:r>
-              <a:rPr lang="en-US" dirty="0" err="1" smtClean="0"/>
-              <a:t>intellisense</a:t>
-            </a:r>
-            <a:endParaRPr lang="en-US" dirty="0" smtClean="0"/>
-          </a:p>
-          <a:p>
-            <a:pPr lvl="1"/>
-            <a:r>
-              <a:rPr lang="en-US">
+              <a:rPr lang="en-US" dirty="0">
                 <a:hlinkClick r:id="rId2"/>
               </a:rPr>
-              <a:t>http://</a:t>
-            </a:r>
-            <a:r>
-              <a:rPr lang="en-US">
-                <a:hlinkClick r:id="rId2"/>
-              </a:rPr>
-              <a:t>www.omnisharp.net</a:t>
-            </a:r>
-            <a:r>
-              <a:rPr lang="en-US" smtClean="0">
+              <a:t>http://www.omnisharp.net</a:t>
+            </a:r>
+            <a:r>
+              <a:rPr lang="en-US" dirty="0" smtClean="0">
                 <a:hlinkClick r:id="rId2"/>
               </a:rPr>
               <a:t>/</a:t>
             </a:r>
-            <a:endParaRPr lang="en-US" smtClean="0"/>
+            <a:endParaRPr lang="en-US" dirty="0" smtClean="0"/>
           </a:p>
           <a:p>
             <a:pPr lvl="1"/>
+            <a:r>
+              <a:rPr lang="en-US" dirty="0"/>
+              <a:t>HTTP wrapper around </a:t>
+            </a:r>
+            <a:r>
+              <a:rPr lang="en-US" dirty="0" err="1"/>
+              <a:t>NRefactory</a:t>
+            </a:r>
+            <a:r>
+              <a:rPr lang="en-US" dirty="0"/>
+              <a:t> allowing C# editor plugins to be written in any language.</a:t>
+            </a:r>
+            <a:endParaRPr lang="en-US" dirty="0"/>
+          </a:p>
+          <a:p>
+            <a:r>
+              <a:rPr lang="en-US" dirty="0"/>
+              <a:t>CODE</a:t>
+            </a:r>
+          </a:p>
+          <a:p>
             <a:endParaRPr lang="en-US" dirty="0" smtClean="0"/>
           </a:p>
           <a:p>
@@ -9461,7 +9668,7 @@
     </p:spTree>
     <p:extLst>
       <p:ext uri="{BB962C8B-B14F-4D97-AF65-F5344CB8AC3E}">
-        <p14:creationId xmlns:p14="http://schemas.microsoft.com/office/powerpoint/2010/main" val="1193548691"/>
+        <p14:creationId xmlns:p14="http://schemas.microsoft.com/office/powerpoint/2010/main" val="505813734"/>
       </p:ext>
     </p:extLst>
   </p:cSld>
@@ -9519,12 +9726,14 @@
         </p:nvSpPr>
         <p:spPr/>
         <p:txBody>
-          <a:bodyPr/>
+          <a:bodyPr>
+            <a:normAutofit fontScale="90000"/>
+          </a:bodyPr>
           <a:lstStyle/>
           <a:p>
             <a:r>
               <a:rPr lang="en-US" dirty="0" smtClean="0"/>
-              <a:t>Tools</a:t>
+              <a:t>Tools: Task runners + Scaffolding</a:t>
             </a:r>
             <a:endParaRPr lang="en-CA" dirty="0"/>
           </a:p>
@@ -9551,9 +9760,30 @@
           <a:lstStyle/>
           <a:p>
             <a:r>
+              <a:rPr lang="en-US" dirty="0"/>
+              <a:t>Task runners</a:t>
+            </a:r>
+          </a:p>
+          <a:p>
+            <a:pPr lvl="1"/>
+            <a:r>
+              <a:rPr lang="en-US" dirty="0"/>
+              <a:t>Grunt</a:t>
+            </a:r>
+          </a:p>
+          <a:p>
+            <a:pPr lvl="1"/>
+            <a:r>
+              <a:rPr lang="en-US" dirty="0"/>
+              <a:t>Gulp</a:t>
+            </a:r>
+          </a:p>
+          <a:p>
+            <a:r>
               <a:rPr lang="en-US" dirty="0" smtClean="0"/>
               <a:t>Scaffolding</a:t>
             </a:r>
+            <a:endParaRPr lang="en-US" dirty="0" smtClean="0"/>
           </a:p>
           <a:p>
             <a:pPr lvl="1"/>
@@ -9581,25 +9811,8 @@
           <a:p>
             <a:r>
               <a:rPr lang="en-US" dirty="0" smtClean="0"/>
-              <a:t>Task runners</a:t>
-            </a:r>
-          </a:p>
-          <a:p>
-            <a:pPr lvl="1"/>
-            <a:r>
-              <a:rPr lang="en-US" dirty="0" smtClean="0"/>
-              <a:t>Grunt</a:t>
-            </a:r>
-          </a:p>
-          <a:p>
-            <a:pPr lvl="1"/>
-            <a:r>
-              <a:rPr lang="en-US" dirty="0" smtClean="0"/>
-              <a:t>Gulp</a:t>
-            </a:r>
-          </a:p>
-          <a:p>
-            <a:pPr lvl="1"/>
+              <a:t>CODE</a:t>
+            </a:r>
             <a:endParaRPr lang="en-US" dirty="0"/>
           </a:p>
         </p:txBody>
@@ -9669,8 +9882,8 @@
           <a:lstStyle/>
           <a:p>
             <a:r>
-              <a:rPr lang="hr-HR" dirty="0" smtClean="0"/>
-              <a:t>Photo title</a:t>
+              <a:rPr lang="en-US" dirty="0" smtClean="0"/>
+              <a:t>Thanks</a:t>
             </a:r>
             <a:endParaRPr lang="en-CA" dirty="0"/>
           </a:p>
@@ -9717,8 +9930,8 @@
           <a:lstStyle/>
           <a:p>
             <a:r>
-              <a:rPr lang="hr-HR" dirty="0" smtClean="0"/>
-              <a:t>Text about the photo above.</a:t>
+              <a:rPr lang="en-US" dirty="0"/>
+              <a:t>Microsoft and Sponsors</a:t>
             </a:r>
             <a:endParaRPr lang="en-CA" dirty="0"/>
           </a:p>
@@ -9904,6 +10117,22 @@
               <a:t> / </a:t>
             </a:r>
             <a:r>
+              <a:rPr lang="en-US" dirty="0">
+                <a:solidFill>
+                  <a:srgbClr val="F7D547"/>
+                </a:solidFill>
+              </a:rPr>
+              <a:t>Cross platform </a:t>
+            </a:r>
+            <a:r>
+              <a:rPr lang="en-US" dirty="0" smtClean="0">
+                <a:solidFill>
+                  <a:srgbClr val="F7D547"/>
+                </a:solidFill>
+              </a:rPr>
+              <a:t>(</a:t>
+            </a:r>
+            <a:r>
               <a:rPr lang="en-US" dirty="0" err="1" smtClean="0">
                 <a:solidFill>
                   <a:srgbClr val="F7D547"/>
@@ -9917,7 +10146,7 @@
                   <a:srgbClr val="F7D547"/>
                 </a:solidFill>
               </a:rPr>
-              <a:t> </a:t>
+              <a:t>) </a:t>
             </a:r>
             <a:r>
               <a:rPr lang="en-US" dirty="0" smtClean="0"/>
@@ -9975,15 +10204,7 @@
             </a:pPr>
             <a:r>
               <a:rPr lang="en-US" dirty="0" smtClean="0"/>
-              <a:t>Cross platform ASP.net </a:t>
-            </a:r>
-            <a:r>
-              <a:rPr lang="en-US" dirty="0" smtClean="0">
-                <a:solidFill>
-                  <a:srgbClr val="F7D547"/>
-                </a:solidFill>
-              </a:rPr>
-              <a:t>key concepts.</a:t>
+              <a:t>ASP.net </a:t>
             </a:r>
           </a:p>
           <a:p>
@@ -10004,8 +10225,13 @@
                   <a:srgbClr val="F7D547"/>
                 </a:solidFill>
               </a:rPr>
-              <a:t>installation</a:t>
-            </a:r>
+              <a:t>key concepts</a:t>
+            </a:r>
+            <a:endParaRPr lang="en-US" dirty="0" smtClean="0">
+              <a:solidFill>
+                <a:srgbClr val="F7D547"/>
+              </a:solidFill>
+            </a:endParaRPr>
           </a:p>
           <a:p>
             <a:pPr marL="0" indent="0">
@@ -10025,7 +10251,7 @@
                   <a:srgbClr val="F7D547"/>
                 </a:solidFill>
               </a:rPr>
-              <a:t>configuration</a:t>
+              <a:t>installation</a:t>
             </a:r>
           </a:p>
           <a:p>
@@ -10043,6 +10269,27 @@
             <a:r>
               <a:rPr lang="en-US" dirty="0" smtClean="0">
                 <a:solidFill>
+                  <a:srgbClr val="F7D547"/>
+                </a:solidFill>
+              </a:rPr>
+              <a:t>configuration</a:t>
+            </a:r>
+          </a:p>
+          <a:p>
+            <a:pPr marL="0" indent="0">
+              <a:buNone/>
+            </a:pPr>
+            <a:r>
+              <a:rPr lang="en-US" dirty="0">
+                <a:solidFill>
+                  <a:srgbClr val="F7D547"/>
+                </a:solidFill>
+              </a:rPr>
+              <a:t>	</a:t>
+            </a:r>
+            <a:r>
+              <a:rPr lang="en-US" dirty="0" smtClean="0">
+                <a:solidFill>
                   <a:schemeClr val="tx1"/>
                 </a:solidFill>
               </a:rPr>
@@ -10082,14 +10329,6 @@
             <a:pPr marL="0" indent="0">
               <a:buNone/>
             </a:pPr>
-            <a:r>
-              <a:rPr lang="en-US" dirty="0">
-                <a:solidFill>
-                  <a:srgbClr val="F7D547"/>
-                </a:solidFill>
-              </a:rPr>
-              <a:t>	</a:t>
-            </a:r>
             <a:endParaRPr lang="hr-HR" dirty="0" smtClean="0">
               <a:solidFill>
                 <a:srgbClr val="F7D547"/>
@@ -10213,7 +10452,7 @@
         </p:spPr>
         <p:txBody>
           <a:bodyPr>
-            <a:normAutofit fontScale="47500" lnSpcReduction="20000"/>
+            <a:normAutofit fontScale="40000" lnSpcReduction="20000"/>
           </a:bodyPr>
           <a:lstStyle/>
           <a:p>
@@ -10380,45 +10619,24 @@
             <a:br>
               <a:rPr lang="en-US" dirty="0" smtClean="0"/>
             </a:br>
-            <a:r>
-              <a:rPr lang="en-US" dirty="0" smtClean="0">
-                <a:solidFill>
-                  <a:srgbClr val="00B0F0"/>
-                </a:solidFill>
-              </a:rPr>
-              <a:t>XXX1</a:t>
-            </a:r>
-            <a:r>
-              <a:rPr lang="en-US" dirty="0" smtClean="0"/>
-              <a:t/>
+            <a:endParaRPr lang="en-US" dirty="0" smtClean="0"/>
+          </a:p>
+          <a:p>
+            <a:pPr marL="0" indent="0">
+              <a:buNone/>
+            </a:pPr>
+            <a:r>
+              <a:rPr lang="en-US" sz="4200" b="1" dirty="0" smtClean="0"/>
+              <a:t>What's </a:t>
+            </a:r>
+            <a:r>
+              <a:rPr lang="en-US" sz="4200" b="1" dirty="0"/>
+              <a:t>New with ASP.NET 5</a:t>
             </a:r>
             <a:br>
-              <a:rPr lang="en-US" dirty="0" smtClean="0"/>
+              <a:rPr lang="en-US" sz="4200" b="1" dirty="0"/>
             </a:br>
-            <a:r>
-              <a:rPr lang="en-US" dirty="0" smtClean="0">
-                <a:solidFill>
-                  <a:srgbClr val="00B0F0"/>
-                </a:solidFill>
-              </a:rPr>
-              <a:t>XXX2</a:t>
-            </a:r>
-            <a:r>
-              <a:rPr lang="en-US" dirty="0" smtClean="0"/>
-              <a:t/>
-            </a:r>
-            <a:br>
-              <a:rPr lang="en-US" dirty="0" smtClean="0"/>
-            </a:br>
-            <a:r>
-              <a:rPr lang="en-US" dirty="0" smtClean="0">
-                <a:solidFill>
-                  <a:srgbClr val="00B0F0"/>
-                </a:solidFill>
-              </a:rPr>
-              <a:t>XXX3</a:t>
-            </a:r>
-            <a:endParaRPr lang="hr-HR" dirty="0">
+            <a:endParaRPr lang="hr-HR" sz="4200" b="1" dirty="0">
               <a:solidFill>
                 <a:srgbClr val="00B0F0"/>
               </a:solidFill>
@@ -10455,20 +10673,16 @@
               <a:buNone/>
             </a:pPr>
             <a:r>
-              <a:rPr lang="en-US" dirty="0" err="1" smtClean="0"/>
-              <a:t>Naziv</a:t>
+              <a:rPr lang="en-US" dirty="0"/>
+              <a:t>What's New with ASP.NET </a:t>
             </a:r>
             <a:r>
               <a:rPr lang="en-US" dirty="0" smtClean="0"/>
-              <a:t> </a:t>
-            </a:r>
-            <a:r>
-              <a:rPr lang="en-US" dirty="0" err="1" smtClean="0"/>
-              <a:t>treninga</a:t>
+              <a:t>5</a:t>
             </a:r>
             <a:r>
               <a:rPr lang="en-US" dirty="0" smtClean="0"/>
-              <a:t> 1</a:t>
+              <a:t/>
             </a:r>
             <a:br>
               <a:rPr lang="en-US" dirty="0" smtClean="0"/>
@@ -10479,71 +10693,15 @@
                   <a:srgbClr val="FFC000"/>
                 </a:solidFill>
               </a:rPr>
-              <a:t>link1</a:t>
-            </a:r>
-          </a:p>
-          <a:p>
-            <a:pPr marL="0" indent="0">
-              <a:buNone/>
-            </a:pPr>
-            <a:r>
-              <a:rPr lang="en-US" dirty="0" err="1" smtClean="0"/>
-              <a:t>Naziv</a:t>
-            </a:r>
-            <a:r>
-              <a:rPr lang="en-US" dirty="0" smtClean="0"/>
-              <a:t> </a:t>
-            </a:r>
-            <a:r>
-              <a:rPr lang="en-US" dirty="0" err="1" smtClean="0"/>
-              <a:t>treninga</a:t>
-            </a:r>
-            <a:r>
-              <a:rPr lang="en-US" dirty="0" smtClean="0"/>
-              <a:t> 2</a:t>
-            </a:r>
-            <a:br>
-              <a:rPr lang="en-US" dirty="0" smtClean="0"/>
-            </a:br>
-            <a:r>
-              <a:rPr lang="en-US" sz="1800" dirty="0">
-                <a:solidFill>
-                  <a:srgbClr val="FFC000"/>
-                </a:solidFill>
-              </a:rPr>
-              <a:t>link1</a:t>
-            </a:r>
-          </a:p>
-          <a:p>
-            <a:pPr marL="0" indent="0">
-              <a:buNone/>
-            </a:pPr>
-            <a:r>
-              <a:rPr lang="en-US" dirty="0" err="1" smtClean="0"/>
-              <a:t>Naziv</a:t>
-            </a:r>
-            <a:r>
-              <a:rPr lang="en-US" dirty="0" smtClean="0"/>
-              <a:t> </a:t>
-            </a:r>
-            <a:r>
-              <a:rPr lang="en-US" dirty="0" err="1" smtClean="0"/>
-              <a:t>treninga</a:t>
-            </a:r>
-            <a:r>
-              <a:rPr lang="en-US" dirty="0" smtClean="0"/>
-              <a:t> 3</a:t>
-            </a:r>
-            <a:br>
-              <a:rPr lang="en-US" dirty="0" smtClean="0"/>
-            </a:br>
+              <a:t>http://</a:t>
+            </a:r>
             <a:r>
               <a:rPr lang="en-US" sz="1800" dirty="0" smtClean="0">
                 <a:solidFill>
                   <a:srgbClr val="FFC000"/>
                 </a:solidFill>
               </a:rPr>
-              <a:t>link1</a:t>
+              <a:t>www.microsoftvirtualacademy.com/training-courses/what-s-new-with-asp-net-5</a:t>
             </a:r>
             <a:endParaRPr lang="en-US" sz="1800" dirty="0">
               <a:solidFill>
@@ -10667,10 +10825,10 @@
           <a:lstStyle/>
           <a:p>
             <a:r>
-              <a:rPr lang="en-US" dirty="0" smtClean="0"/>
+              <a:rPr lang="en-US" sz="4800" dirty="0" smtClean="0"/>
               <a:t>KEY CONCEPTS – ASP.net v.5</a:t>
             </a:r>
-            <a:endParaRPr lang="en-CA" dirty="0"/>
+            <a:endParaRPr lang="en-CA" sz="4800" dirty="0"/>
           </a:p>
         </p:txBody>
       </p:sp>
@@ -10772,8 +10930,8 @@
           <a:lstStyle/>
           <a:p>
             <a:r>
-              <a:rPr lang="hr-HR" dirty="0" smtClean="0"/>
-              <a:t>Sub theme of presentation</a:t>
+              <a:rPr lang="en-US" dirty="0" smtClean="0"/>
+              <a:t>RUNTIME</a:t>
             </a:r>
             <a:endParaRPr lang="en-CA" dirty="0"/>
           </a:p>
@@ -10845,30 +11003,7 @@
           <a:p>
             <a:r>
               <a:rPr lang="en-US" dirty="0" smtClean="0"/>
-              <a:t>Mono - CLR (Runtime)</a:t>
-            </a:r>
-            <a:endParaRPr lang="en-CA" dirty="0"/>
-          </a:p>
-        </p:txBody>
-      </p:sp>
-      <p:sp>
-        <p:nvSpPr>
-          <p:cNvPr id="5" name="Text Placeholder 4"/>
-          <p:cNvSpPr>
-            <a:spLocks noGrp="1"/>
-          </p:cNvSpPr>
-          <p:nvPr>
-            <p:ph type="body" idx="1"/>
-          </p:nvPr>
-        </p:nvSpPr>
-        <p:spPr/>
-        <p:txBody>
-          <a:bodyPr/>
-          <a:lstStyle/>
-          <a:p>
-            <a:r>
-              <a:rPr lang="en-US" dirty="0" smtClean="0"/>
-              <a:t>Mono	</a:t>
+              <a:t>Mono - facts</a:t>
             </a:r>
             <a:endParaRPr lang="en-CA" dirty="0"/>
           </a:p>
@@ -10884,27 +11019,82 @@
             <p:ph sz="half" idx="2"/>
           </p:nvPr>
         </p:nvSpPr>
-        <p:spPr/>
+        <p:spPr>
+          <a:xfrm>
+            <a:off x="467544" y="1048444"/>
+            <a:ext cx="8208912" cy="3323506"/>
+          </a:xfrm>
+        </p:spPr>
         <p:txBody>
           <a:bodyPr>
-            <a:normAutofit lnSpcReduction="10000"/>
+            <a:normAutofit/>
           </a:bodyPr>
           <a:lstStyle/>
           <a:p>
             <a:r>
               <a:rPr lang="en-US" dirty="0" smtClean="0"/>
-              <a:t>2015-04-20</a:t>
+              <a:t>Open Source</a:t>
             </a:r>
           </a:p>
           <a:p>
             <a:pPr lvl="1"/>
             <a:r>
+              <a:rPr lang="en-US" dirty="0">
+                <a:hlinkClick r:id="rId2"/>
+              </a:rPr>
+              <a:t>http://www.mono-project.com</a:t>
+            </a:r>
+            <a:r>
+              <a:rPr lang="en-US" dirty="0" smtClean="0">
+                <a:hlinkClick r:id="rId2"/>
+              </a:rPr>
+              <a:t>/</a:t>
+            </a:r>
+            <a:endParaRPr lang="en-US" dirty="0" smtClean="0"/>
+          </a:p>
+          <a:p>
+            <a:pPr lvl="1"/>
+            <a:r>
               <a:rPr lang="en-US" dirty="0" smtClean="0"/>
-              <a:t>V.4.1.0 (</a:t>
+              <a:t>Core of </a:t>
             </a:r>
             <a:r>
               <a:rPr lang="en-US" dirty="0" err="1" smtClean="0"/>
-              <a:t>github</a:t>
+              <a:t>Xamarin</a:t>
+            </a:r>
+            <a:r>
+              <a:rPr lang="en-US" dirty="0" smtClean="0"/>
+              <a:t> technologies</a:t>
+            </a:r>
+          </a:p>
+          <a:p>
+            <a:pPr lvl="2"/>
+            <a:r>
+              <a:rPr lang="en-US" dirty="0" err="1" smtClean="0"/>
+              <a:t>Xamarin.Android</a:t>
+            </a:r>
+            <a:endParaRPr lang="en-US" dirty="0" smtClean="0"/>
+          </a:p>
+          <a:p>
+            <a:pPr lvl="2"/>
+            <a:r>
+              <a:rPr lang="en-US" dirty="0" err="1" smtClean="0"/>
+              <a:t>Xamarin.iOS</a:t>
+            </a:r>
+            <a:endParaRPr lang="en-US" dirty="0"/>
+          </a:p>
+          <a:p>
+            <a:r>
+              <a:rPr lang="en-US" dirty="0" err="1" smtClean="0"/>
+              <a:t>Xamarin</a:t>
+            </a:r>
+            <a:r>
+              <a:rPr lang="en-US" dirty="0" smtClean="0"/>
+              <a:t> (Novell, </a:t>
+            </a:r>
+            <a:r>
+              <a:rPr lang="en-US" dirty="0" err="1" smtClean="0"/>
+              <a:t>Ximian</a:t>
             </a:r>
             <a:r>
               <a:rPr lang="en-US" dirty="0" smtClean="0"/>
@@ -10914,124 +11104,35 @@
           <a:p>
             <a:pPr lvl="1"/>
             <a:r>
+              <a:rPr lang="en-US" dirty="0">
+                <a:hlinkClick r:id="rId3"/>
+              </a:rPr>
+              <a:t>http://xamarin.com</a:t>
+            </a:r>
+            <a:r>
+              <a:rPr lang="en-US" dirty="0" smtClean="0">
+                <a:hlinkClick r:id="rId3"/>
+              </a:rPr>
+              <a:t>/</a:t>
+            </a:r>
+            <a:endParaRPr lang="en-US" dirty="0" smtClean="0"/>
+          </a:p>
+          <a:p>
+            <a:r>
               <a:rPr lang="en-US" dirty="0" smtClean="0"/>
-              <a:t>V.3.12.0 (</a:t>
-            </a:r>
-            <a:r>
-              <a:rPr lang="en-US" dirty="0" err="1" smtClean="0"/>
-              <a:t>distro</a:t>
-            </a:r>
-            <a:r>
-              <a:rPr lang="en-US" dirty="0" smtClean="0"/>
-              <a:t> packages)</a:t>
-            </a:r>
-            <a:endParaRPr lang="hr-HR" dirty="0" smtClean="0"/>
-          </a:p>
-          <a:p>
-            <a:r>
-              <a:rPr lang="en-US" dirty="0" err="1" smtClean="0"/>
-              <a:t>.net</a:t>
-            </a:r>
-            <a:r>
-              <a:rPr lang="en-US" dirty="0" smtClean="0"/>
-              <a:t> implementation on Linux / </a:t>
-            </a:r>
-            <a:r>
-              <a:rPr lang="en-US" dirty="0" err="1" smtClean="0"/>
-              <a:t>MacOSX</a:t>
-            </a:r>
-            <a:r>
-              <a:rPr lang="en-US" dirty="0" smtClean="0"/>
-              <a:t> / *BSD</a:t>
-            </a:r>
-          </a:p>
-          <a:p>
-            <a:pPr lvl="1"/>
-            <a:r>
-              <a:rPr lang="en-US" dirty="0" smtClean="0"/>
-              <a:t>Since 2001.</a:t>
-            </a:r>
-          </a:p>
-          <a:p>
-            <a:r>
-              <a:rPr lang="en-US" dirty="0" smtClean="0"/>
-              <a:t>Open Source Project</a:t>
-            </a:r>
-          </a:p>
-          <a:p>
-            <a:r>
-              <a:rPr lang="en-US" dirty="0" err="1" smtClean="0"/>
-              <a:t>Xamarin</a:t>
+              <a:t>Community</a:t>
             </a:r>
             <a:endParaRPr lang="en-CA" dirty="0"/>
           </a:p>
-        </p:txBody>
-      </p:sp>
-      <p:sp>
-        <p:nvSpPr>
-          <p:cNvPr id="7" name="Text Placeholder 6"/>
-          <p:cNvSpPr>
-            <a:spLocks noGrp="1"/>
-          </p:cNvSpPr>
-          <p:nvPr>
-            <p:ph type="body" sz="quarter" idx="3"/>
-          </p:nvPr>
-        </p:nvSpPr>
-        <p:spPr/>
-        <p:txBody>
-          <a:bodyPr/>
-          <a:lstStyle/>
-          <a:p>
-            <a:r>
-              <a:rPr lang="en-US" dirty="0"/>
-              <a:t>CLR - </a:t>
-            </a:r>
-            <a:r>
-              <a:rPr lang="en-US" dirty="0" err="1" smtClean="0"/>
-              <a:t>CoreCLR</a:t>
-            </a:r>
-            <a:endParaRPr lang="en-US" dirty="0"/>
-          </a:p>
-        </p:txBody>
-      </p:sp>
-      <p:sp>
-        <p:nvSpPr>
-          <p:cNvPr id="8" name="Content Placeholder 7"/>
-          <p:cNvSpPr>
-            <a:spLocks noGrp="1"/>
-          </p:cNvSpPr>
-          <p:nvPr>
-            <p:ph sz="quarter" idx="4"/>
-          </p:nvPr>
-        </p:nvSpPr>
-        <p:spPr/>
-        <p:txBody>
-          <a:bodyPr/>
-          <a:lstStyle/>
-          <a:p>
-            <a:r>
-              <a:rPr lang="en-US" dirty="0" smtClean="0"/>
-              <a:t>2015-04-20</a:t>
-            </a:r>
-            <a:endParaRPr lang="hr-HR" dirty="0" smtClean="0"/>
-          </a:p>
-          <a:p>
-            <a:pPr lvl="1"/>
-            <a:r>
-              <a:rPr lang="en-US" dirty="0" smtClean="0"/>
-              <a:t>Not ready yet</a:t>
-            </a:r>
-            <a:endParaRPr lang="hr-HR" dirty="0" smtClean="0"/>
-          </a:p>
-          <a:p>
-            <a:endParaRPr lang="en-CA" dirty="0"/>
+          <a:p>
+            <a:endParaRPr lang="en-US" dirty="0" smtClean="0"/>
           </a:p>
         </p:txBody>
       </p:sp>
     </p:spTree>
     <p:extLst>
       <p:ext uri="{BB962C8B-B14F-4D97-AF65-F5344CB8AC3E}">
-        <p14:creationId xmlns:p14="http://schemas.microsoft.com/office/powerpoint/2010/main" val="2897932544"/>
+        <p14:creationId xmlns:p14="http://schemas.microsoft.com/office/powerpoint/2010/main" val="3578244350"/>
       </p:ext>
     </p:extLst>
   </p:cSld>
@@ -11089,12 +11190,37 @@
         </p:nvSpPr>
         <p:spPr/>
         <p:txBody>
+          <a:bodyPr>
+            <a:normAutofit/>
+          </a:bodyPr>
+          <a:lstStyle/>
+          <a:p>
+            <a:r>
+              <a:rPr lang="en-US" dirty="0" smtClean="0"/>
+              <a:t>Runtime CLR - Mono</a:t>
+            </a:r>
+            <a:endParaRPr lang="en-CA" dirty="0"/>
+          </a:p>
+        </p:txBody>
+      </p:sp>
+      <p:sp>
+        <p:nvSpPr>
+          <p:cNvPr id="5" name="Text Placeholder 4"/>
+          <p:cNvSpPr>
+            <a:spLocks noGrp="1"/>
+          </p:cNvSpPr>
+          <p:nvPr>
+            <p:ph type="body" idx="1"/>
+          </p:nvPr>
+        </p:nvSpPr>
+        <p:spPr/>
+        <p:txBody>
           <a:bodyPr/>
           <a:lstStyle/>
           <a:p>
             <a:r>
               <a:rPr lang="en-US" dirty="0" smtClean="0"/>
-              <a:t>Mono - installation</a:t>
+              <a:t>Mono	</a:t>
             </a:r>
             <a:endParaRPr lang="en-CA" dirty="0"/>
           </a:p>
@@ -11110,12 +11236,7 @@
             <p:ph sz="half" idx="2"/>
           </p:nvPr>
         </p:nvSpPr>
-        <p:spPr>
-          <a:xfrm>
-            <a:off x="467544" y="1048444"/>
-            <a:ext cx="8208912" cy="3323506"/>
-          </a:xfrm>
-        </p:spPr>
+        <p:spPr/>
         <p:txBody>
           <a:bodyPr>
             <a:normAutofit/>
@@ -11124,77 +11245,18 @@
           <a:p>
             <a:r>
               <a:rPr lang="en-US" dirty="0" smtClean="0"/>
-              <a:t>From packages</a:t>
+              <a:t>2015-04-20</a:t>
             </a:r>
           </a:p>
           <a:p>
             <a:pPr lvl="1"/>
             <a:r>
               <a:rPr lang="en-US" dirty="0" smtClean="0"/>
-              <a:t>Ubuntu: 			apt-get</a:t>
-            </a:r>
-            <a:r>
-              <a:rPr lang="en-US" dirty="0"/>
-              <a:t/>
-            </a:r>
-            <a:br>
-              <a:rPr lang="en-US" dirty="0"/>
-            </a:br>
-            <a:r>
-              <a:rPr lang="en-US" dirty="0">
-                <a:hlinkClick r:id="rId2"/>
-              </a:rPr>
-              <a:t>https://</a:t>
-            </a:r>
-            <a:r>
-              <a:rPr lang="en-US" dirty="0" smtClean="0">
-                <a:hlinkClick r:id="rId2"/>
-              </a:rPr>
-              <a:t>github.com/moljac/ASP.net.v5-AKA-vNext-Windays15.git</a:t>
-            </a:r>
-            <a:endParaRPr lang="en-US" dirty="0" smtClean="0"/>
-          </a:p>
-          <a:p>
-            <a:pPr lvl="1"/>
+              <a:t>V.4.1.0 (</a:t>
+            </a:r>
             <a:r>
               <a:rPr lang="en-US" dirty="0" err="1" smtClean="0"/>
-              <a:t>macOSX</a:t>
-            </a:r>
-            <a:r>
-              <a:rPr lang="en-US" dirty="0" smtClean="0"/>
-              <a:t> (homebrew): 	brew</a:t>
-            </a:r>
-            <a:br>
-              <a:rPr lang="en-US" dirty="0" smtClean="0"/>
-            </a:br>
-            <a:r>
-              <a:rPr lang="en-US" dirty="0" smtClean="0"/>
-              <a:t>				</a:t>
-            </a:r>
-            <a:r>
-              <a:rPr lang="en-US" dirty="0" err="1" smtClean="0"/>
-              <a:t>Xamarin.Studio</a:t>
-            </a:r>
-            <a:r>
-              <a:rPr lang="en-US" dirty="0" smtClean="0"/>
-              <a:t/>
-            </a:r>
-            <a:br>
-              <a:rPr lang="en-US" dirty="0" smtClean="0"/>
-            </a:br>
-            <a:r>
-              <a:rPr lang="en-US" dirty="0" smtClean="0"/>
-              <a:t>link</a:t>
-            </a:r>
-          </a:p>
-          <a:p>
-            <a:r>
-              <a:rPr lang="en-US" dirty="0" smtClean="0"/>
-              <a:t>From source (</a:t>
-            </a:r>
-            <a:r>
-              <a:rPr lang="en-US" dirty="0" err="1" smtClean="0"/>
-              <a:t>git</a:t>
+              <a:t>github</a:t>
             </a:r>
             <a:r>
               <a:rPr lang="en-US" dirty="0" smtClean="0"/>
@@ -11205,22 +11267,115 @@
             <a:pPr lvl="1"/>
             <a:r>
               <a:rPr lang="en-US" dirty="0" smtClean="0"/>
-              <a:t>V.4.1.0 (2015-04-20)</a:t>
-            </a:r>
-            <a:br>
+              <a:t>V.3.12.0 (</a:t>
+            </a:r>
+            <a:r>
+              <a:rPr lang="en-US" dirty="0" err="1" smtClean="0"/>
+              <a:t>distro</a:t>
+            </a:r>
+            <a:r>
               <a:rPr lang="en-US" dirty="0" smtClean="0"/>
-            </a:br>
+              <a:t> packages)</a:t>
+            </a:r>
+            <a:endParaRPr lang="hr-HR" dirty="0" smtClean="0"/>
+          </a:p>
+          <a:p>
+            <a:r>
+              <a:rPr lang="en-US" dirty="0" err="1" smtClean="0"/>
+              <a:t>.net</a:t>
+            </a:r>
             <a:r>
               <a:rPr lang="en-US" dirty="0" smtClean="0"/>
-              <a:t>link</a:t>
-            </a:r>
+              <a:t> implementation on Linux / </a:t>
+            </a:r>
+            <a:r>
+              <a:rPr lang="en-US" dirty="0" err="1" smtClean="0"/>
+              <a:t>MacOSX</a:t>
+            </a:r>
+            <a:r>
+              <a:rPr lang="en-US" dirty="0" smtClean="0"/>
+              <a:t> / *BSD</a:t>
+            </a:r>
+          </a:p>
+          <a:p>
+            <a:pPr lvl="1"/>
+            <a:r>
+              <a:rPr lang="en-US" dirty="0" smtClean="0"/>
+              <a:t>Since 2001</a:t>
+            </a:r>
+            <a:r>
+              <a:rPr lang="en-US" dirty="0" smtClean="0"/>
+              <a:t>.</a:t>
+            </a:r>
+            <a:endParaRPr lang="en-US" dirty="0" smtClean="0"/>
+          </a:p>
+        </p:txBody>
+      </p:sp>
+      <p:sp>
+        <p:nvSpPr>
+          <p:cNvPr id="7" name="Text Placeholder 6"/>
+          <p:cNvSpPr>
+            <a:spLocks noGrp="1"/>
+          </p:cNvSpPr>
+          <p:nvPr>
+            <p:ph type="body" sz="quarter" idx="3"/>
+          </p:nvPr>
+        </p:nvSpPr>
+        <p:spPr/>
+        <p:txBody>
+          <a:bodyPr/>
+          <a:lstStyle/>
+          <a:p>
+            <a:r>
+              <a:rPr lang="en-US" dirty="0"/>
+              <a:t>CLR - </a:t>
+            </a:r>
+            <a:r>
+              <a:rPr lang="en-US" dirty="0" err="1" smtClean="0"/>
+              <a:t>CoreCLR</a:t>
+            </a:r>
+            <a:endParaRPr lang="en-US" dirty="0"/>
+          </a:p>
+        </p:txBody>
+      </p:sp>
+      <p:sp>
+        <p:nvSpPr>
+          <p:cNvPr id="8" name="Content Placeholder 7"/>
+          <p:cNvSpPr>
+            <a:spLocks noGrp="1"/>
+          </p:cNvSpPr>
+          <p:nvPr>
+            <p:ph sz="quarter" idx="4"/>
+          </p:nvPr>
+        </p:nvSpPr>
+        <p:spPr/>
+        <p:txBody>
+          <a:bodyPr/>
+          <a:lstStyle/>
+          <a:p>
+            <a:r>
+              <a:rPr lang="en-US" dirty="0" smtClean="0"/>
+              <a:t>2015-04-20</a:t>
+            </a:r>
+            <a:endParaRPr lang="hr-HR" dirty="0" smtClean="0"/>
+          </a:p>
+          <a:p>
+            <a:pPr lvl="1"/>
+            <a:r>
+              <a:rPr lang="en-US" dirty="0" smtClean="0"/>
+              <a:t>Not ready yet</a:t>
+            </a:r>
+            <a:endParaRPr lang="hr-HR" dirty="0" smtClean="0"/>
+          </a:p>
+          <a:p>
+            <a:endParaRPr lang="en-CA" dirty="0"/>
           </a:p>
         </p:txBody>
       </p:sp>
     </p:spTree>
     <p:extLst>
       <p:ext uri="{BB962C8B-B14F-4D97-AF65-F5344CB8AC3E}">
-        <p14:creationId xmlns:p14="http://schemas.microsoft.com/office/powerpoint/2010/main" val="2237896550"/>
+        <p14:creationId xmlns:p14="http://schemas.microsoft.com/office/powerpoint/2010/main" val="2897932544"/>
       </p:ext>
     </p:extLst>
   </p:cSld>
@@ -11283,7 +11438,7 @@
           <a:p>
             <a:r>
               <a:rPr lang="en-US" dirty="0" smtClean="0"/>
-              <a:t>Mono - facts</a:t>
+              <a:t>Mono - installation</a:t>
             </a:r>
             <a:endParaRPr lang="en-CA" dirty="0"/>
           </a:p>
@@ -11313,68 +11468,55 @@
           <a:p>
             <a:r>
               <a:rPr lang="en-US" dirty="0" smtClean="0"/>
-              <a:t>Open Source</a:t>
+              <a:t>From packages</a:t>
             </a:r>
           </a:p>
           <a:p>
             <a:pPr lvl="1"/>
             <a:r>
-              <a:rPr lang="en-US" dirty="0">
-                <a:hlinkClick r:id="rId2"/>
-              </a:rPr>
-              <a:t>http://www.mono-project.com</a:t>
-            </a:r>
-            <a:r>
-              <a:rPr lang="en-US" dirty="0" smtClean="0">
-                <a:hlinkClick r:id="rId2"/>
-              </a:rPr>
-              <a:t>/</a:t>
+              <a:rPr lang="en-US" dirty="0" smtClean="0"/>
+              <a:t>Ubuntu: 			apt-get</a:t>
+            </a:r>
+            <a:r>
+              <a:rPr lang="en-US" dirty="0"/>
+              <a:t/>
+            </a:r>
+            <a:br>
+              <a:rPr lang="en-US" dirty="0"/>
+            </a:br>
+            <a:r>
+              <a:rPr lang="en-US" dirty="0" err="1" smtClean="0"/>
+              <a:t>macOSX</a:t>
+            </a:r>
+            <a:r>
+              <a:rPr lang="en-US" dirty="0" smtClean="0"/>
+              <a:t> </a:t>
+            </a:r>
+            <a:r>
+              <a:rPr lang="en-US" dirty="0" smtClean="0"/>
+              <a:t>(homebrew): 	brew</a:t>
+            </a:r>
+            <a:br>
+              <a:rPr lang="en-US" dirty="0" smtClean="0"/>
+            </a:br>
+            <a:r>
+              <a:rPr lang="en-US" dirty="0" smtClean="0"/>
+              <a:t>				</a:t>
+            </a:r>
+            <a:r>
+              <a:rPr lang="en-US" dirty="0" err="1" smtClean="0"/>
+              <a:t>Xamarin.Studio</a:t>
             </a:r>
             <a:endParaRPr lang="en-US" dirty="0" smtClean="0"/>
           </a:p>
           <a:p>
-            <a:pPr lvl="1"/>
             <a:r>
               <a:rPr lang="en-US" dirty="0" smtClean="0"/>
-              <a:t>Core of </a:t>
+              <a:t>From source (</a:t>
             </a:r>
             <a:r>
               <a:rPr lang="en-US" dirty="0" err="1" smtClean="0"/>
-              <a:t>Xamarin</a:t>
-            </a:r>
-            <a:r>
-              <a:rPr lang="en-US" dirty="0" smtClean="0"/>
-              <a:t> technologies</a:t>
-            </a:r>
-          </a:p>
-          <a:p>
-            <a:pPr lvl="2"/>
-            <a:r>
-              <a:rPr lang="en-US" dirty="0" err="1" smtClean="0"/>
-              <a:t>Xamarin.Android</a:t>
-            </a:r>
-            <a:endParaRPr lang="en-US" dirty="0" smtClean="0"/>
-          </a:p>
-          <a:p>
-            <a:pPr lvl="2"/>
-            <a:r>
-              <a:rPr lang="en-US" dirty="0" err="1" smtClean="0"/>
-              <a:t>Xamarin.iOS</a:t>
-            </a:r>
-            <a:endParaRPr lang="en-US" dirty="0"/>
-          </a:p>
-          <a:p>
-            <a:r>
-              <a:rPr lang="en-US" dirty="0" err="1" smtClean="0"/>
-              <a:t>Xamarin</a:t>
-            </a:r>
-            <a:r>
-              <a:rPr lang="en-US" dirty="0" smtClean="0"/>
-              <a:t> (Novell, </a:t>
-            </a:r>
-            <a:r>
-              <a:rPr lang="en-US" dirty="0" err="1" smtClean="0"/>
-              <a:t>Ximian</a:t>
+              <a:t>git</a:t>
             </a:r>
             <a:r>
               <a:rPr lang="en-US" dirty="0" smtClean="0"/>
@@ -11384,29 +11526,36 @@
           <a:p>
             <a:pPr lvl="1"/>
             <a:r>
-              <a:rPr lang="en-US">
-                <a:hlinkClick r:id="rId3"/>
-              </a:rPr>
-              <a:t>http://xamarin.com</a:t>
-            </a:r>
-            <a:r>
-              <a:rPr lang="en-US" smtClean="0">
-                <a:hlinkClick r:id="rId3"/>
-              </a:rPr>
-              <a:t>/</a:t>
-            </a:r>
-            <a:endParaRPr lang="en-US" smtClean="0"/>
+              <a:rPr lang="en-US" dirty="0" smtClean="0"/>
+              <a:t>V.4.1.0 (2015-04-20</a:t>
+            </a:r>
+            <a:r>
+              <a:rPr lang="en-US" dirty="0" smtClean="0"/>
+              <a:t>)</a:t>
+            </a:r>
+            <a:endParaRPr lang="en-US" dirty="0"/>
           </a:p>
           <a:p>
             <a:pPr lvl="1"/>
-            <a:endParaRPr lang="en-US" dirty="0" smtClean="0"/>
+            <a:r>
+              <a:rPr lang="en-US" dirty="0" smtClean="0"/>
+              <a:t>Less problems</a:t>
+            </a:r>
+            <a:endParaRPr lang="en-US" dirty="0"/>
+          </a:p>
+          <a:p>
+            <a:r>
+              <a:rPr lang="en-US" dirty="0" smtClean="0"/>
+              <a:t>CODE</a:t>
+            </a:r>
+            <a:endParaRPr lang="en-US" dirty="0"/>
           </a:p>
         </p:txBody>
       </p:sp>
     </p:spTree>
     <p:extLst>
       <p:ext uri="{BB962C8B-B14F-4D97-AF65-F5344CB8AC3E}">
-        <p14:creationId xmlns:p14="http://schemas.microsoft.com/office/powerpoint/2010/main" val="3578244350"/>
+        <p14:creationId xmlns:p14="http://schemas.microsoft.com/office/powerpoint/2010/main" val="2237896550"/>
       </p:ext>
     </p:extLst>
   </p:cSld>
@@ -11493,8 +11642,8 @@
           <a:lstStyle/>
           <a:p>
             <a:r>
-              <a:rPr lang="hr-HR" dirty="0" smtClean="0"/>
-              <a:t>Sub theme of presentation</a:t>
+              <a:rPr lang="en-US" dirty="0" smtClean="0"/>
+              <a:t>Concepts</a:t>
             </a:r>
             <a:endParaRPr lang="en-CA" dirty="0"/>
           </a:p>
@@ -11566,34 +11715,7 @@
           <a:p>
             <a:r>
               <a:rPr lang="en-US" dirty="0" smtClean="0"/>
-              <a:t>Version Manager</a:t>
-            </a:r>
-            <a:endParaRPr lang="en-CA" dirty="0"/>
-          </a:p>
-        </p:txBody>
-      </p:sp>
-      <p:sp>
-        <p:nvSpPr>
-          <p:cNvPr id="5" name="Text Placeholder 4"/>
-          <p:cNvSpPr>
-            <a:spLocks noGrp="1"/>
-          </p:cNvSpPr>
-          <p:nvPr>
-            <p:ph type="body" idx="1"/>
-          </p:nvPr>
-        </p:nvSpPr>
-        <p:spPr/>
-        <p:txBody>
-          <a:bodyPr/>
-          <a:lstStyle/>
-          <a:p>
-            <a:r>
-              <a:rPr lang="en-US" dirty="0" err="1" smtClean="0"/>
-              <a:t>Kvm</a:t>
-            </a:r>
-            <a:r>
-              <a:rPr lang="en-US" dirty="0" smtClean="0"/>
-              <a:t>	</a:t>
+              <a:t>ASP.net v.5 motivation</a:t>
             </a:r>
             <a:endParaRPr lang="en-CA" dirty="0"/>
           </a:p>
@@ -11609,150 +11731,122 @@
             <p:ph sz="half" idx="2"/>
           </p:nvPr>
         </p:nvSpPr>
-        <p:spPr/>
+        <p:spPr>
+          <a:xfrm>
+            <a:off x="467544" y="1048444"/>
+            <a:ext cx="8208912" cy="3323506"/>
+          </a:xfrm>
+        </p:spPr>
         <p:txBody>
           <a:bodyPr>
-            <a:normAutofit lnSpcReduction="10000"/>
+            <a:normAutofit fontScale="92500" lnSpcReduction="20000"/>
           </a:bodyPr>
           <a:lstStyle/>
           <a:p>
             <a:r>
               <a:rPr lang="en-US" dirty="0" smtClean="0"/>
-              <a:t>2015-04-20</a:t>
+              <a:t>Optimization </a:t>
+            </a:r>
+            <a:br>
+              <a:rPr lang="en-US" dirty="0" smtClean="0"/>
+            </a:br>
+            <a:r>
+              <a:rPr lang="en-US" dirty="0" smtClean="0"/>
+              <a:t>(memory, processor cycles - power consumption)</a:t>
+            </a:r>
+          </a:p>
+          <a:p>
+            <a:r>
+              <a:rPr lang="en-US" dirty="0" smtClean="0"/>
+              <a:t>Modularity (total, high level)</a:t>
+            </a:r>
+          </a:p>
+          <a:p>
+            <a:r>
+              <a:rPr lang="en-US" dirty="0" smtClean="0"/>
+              <a:t>Cross platform</a:t>
+            </a:r>
+          </a:p>
+          <a:p>
+            <a:r>
+              <a:rPr lang="en-US" dirty="0" smtClean="0"/>
+              <a:t>Faster Development cycles</a:t>
+            </a:r>
+          </a:p>
+          <a:p>
+            <a:r>
+              <a:rPr lang="en-US" dirty="0" smtClean="0"/>
+              <a:t>Open source</a:t>
             </a:r>
           </a:p>
           <a:p>
             <a:pPr lvl="1"/>
             <a:r>
+              <a:rPr lang="en-US" dirty="0">
+                <a:hlinkClick r:id="rId2"/>
+              </a:rPr>
+              <a:t>http://</a:t>
+            </a:r>
+            <a:r>
+              <a:rPr lang="en-US" dirty="0" smtClean="0">
+                <a:hlinkClick r:id="rId2"/>
+              </a:rPr>
+              <a:t>www.asp.net/vnext</a:t>
+            </a:r>
+            <a:endParaRPr lang="en-US" dirty="0" smtClean="0"/>
+          </a:p>
+          <a:p>
+            <a:pPr lvl="1"/>
+            <a:r>
+              <a:rPr lang="en-US" dirty="0">
+                <a:hlinkClick r:id="rId3"/>
+              </a:rPr>
+              <a:t>https://</a:t>
+            </a:r>
+            <a:r>
+              <a:rPr lang="en-US" dirty="0" smtClean="0">
+                <a:hlinkClick r:id="rId3"/>
+              </a:rPr>
+              <a:t>github.com/aspnet/home</a:t>
+            </a:r>
+            <a:endParaRPr lang="en-US" dirty="0"/>
+          </a:p>
+          <a:p>
+            <a:pPr lvl="1"/>
+            <a:r>
               <a:rPr lang="en-US" dirty="0" smtClean="0"/>
-              <a:t>V.4.1.0 (</a:t>
-            </a:r>
-            <a:r>
-              <a:rPr lang="en-US" dirty="0" err="1" smtClean="0"/>
-              <a:t>github</a:t>
+              <a:t>New ideas from other technologies and community</a:t>
+            </a:r>
+          </a:p>
+          <a:p>
+            <a:pPr lvl="2"/>
+            <a:r>
+              <a:rPr lang="en-US" dirty="0">
+                <a:hlinkClick r:id="rId4"/>
+              </a:rPr>
+              <a:t>https://jabbr.net/#/</a:t>
+            </a:r>
+            <a:r>
+              <a:rPr lang="en-US" dirty="0" smtClean="0">
+                <a:hlinkClick r:id="rId4"/>
+              </a:rPr>
+              <a:t>rooms/AspNetvNext</a:t>
             </a:r>
             <a:r>
               <a:rPr lang="en-US" dirty="0" smtClean="0"/>
-              <a:t>)</a:t>
-            </a:r>
-          </a:p>
-          <a:p>
-            <a:pPr lvl="1"/>
-            <a:r>
+              <a:t/>
+            </a:r>
+            <a:br>
               <a:rPr lang="en-US" dirty="0" smtClean="0"/>
-              <a:t>V.3.12.0 (</a:t>
-            </a:r>
-            <a:r>
-              <a:rPr lang="en-US" dirty="0" err="1" smtClean="0"/>
-              <a:t>distro</a:t>
-            </a:r>
-            <a:r>
-              <a:rPr lang="en-US" dirty="0" smtClean="0"/>
-              <a:t> packages)</a:t>
-            </a:r>
-            <a:endParaRPr lang="hr-HR" dirty="0" smtClean="0"/>
-          </a:p>
-          <a:p>
-            <a:r>
-              <a:rPr lang="en-US" dirty="0" err="1" smtClean="0"/>
-              <a:t>.net</a:t>
-            </a:r>
-            <a:r>
-              <a:rPr lang="en-US" dirty="0" smtClean="0"/>
-              <a:t> implementation on Linux / </a:t>
-            </a:r>
-            <a:r>
-              <a:rPr lang="en-US" dirty="0" err="1" smtClean="0"/>
-              <a:t>MacOSX</a:t>
-            </a:r>
-            <a:r>
-              <a:rPr lang="en-US" dirty="0" smtClean="0"/>
-              <a:t> / *BSD</a:t>
-            </a:r>
-          </a:p>
-          <a:p>
-            <a:pPr lvl="1"/>
-            <a:r>
-              <a:rPr lang="en-US" dirty="0" smtClean="0"/>
-              <a:t>Since 2001.</a:t>
-            </a:r>
-          </a:p>
-          <a:p>
-            <a:r>
-              <a:rPr lang="en-US" dirty="0" smtClean="0"/>
-              <a:t>Open Source Project</a:t>
-            </a:r>
-          </a:p>
-          <a:p>
-            <a:r>
-              <a:rPr lang="en-US" dirty="0" err="1" smtClean="0"/>
-              <a:t>Xamarin</a:t>
-            </a:r>
-            <a:endParaRPr lang="en-CA" dirty="0"/>
-          </a:p>
-        </p:txBody>
-      </p:sp>
-      <p:sp>
-        <p:nvSpPr>
-          <p:cNvPr id="7" name="Text Placeholder 6"/>
-          <p:cNvSpPr>
-            <a:spLocks noGrp="1"/>
-          </p:cNvSpPr>
-          <p:nvPr>
-            <p:ph type="body" sz="quarter" idx="3"/>
-          </p:nvPr>
-        </p:nvSpPr>
-        <p:spPr/>
-        <p:txBody>
-          <a:bodyPr/>
-          <a:lstStyle/>
-          <a:p>
-            <a:r>
-              <a:rPr lang="en-US" smtClean="0"/>
-              <a:t>CLR - CoreCLR</a:t>
-            </a:r>
+            </a:br>
             <a:endParaRPr lang="en-US" dirty="0"/>
-          </a:p>
-        </p:txBody>
-      </p:sp>
-      <p:sp>
-        <p:nvSpPr>
-          <p:cNvPr id="8" name="Content Placeholder 7"/>
-          <p:cNvSpPr>
-            <a:spLocks noGrp="1"/>
-          </p:cNvSpPr>
-          <p:nvPr>
-            <p:ph sz="quarter" idx="4"/>
-          </p:nvPr>
-        </p:nvSpPr>
-        <p:spPr/>
-        <p:txBody>
-          <a:bodyPr/>
-          <a:lstStyle/>
-          <a:p>
-            <a:r>
-              <a:rPr lang="en-US" dirty="0" smtClean="0"/>
-              <a:t>2015-04-20</a:t>
-            </a:r>
-            <a:endParaRPr lang="hr-HR" dirty="0" smtClean="0"/>
-          </a:p>
-          <a:p>
-            <a:pPr lvl="1"/>
-            <a:r>
-              <a:rPr lang="en-US" dirty="0" smtClean="0"/>
-              <a:t>Not ready yet</a:t>
-            </a:r>
-            <a:endParaRPr lang="hr-HR" dirty="0" smtClean="0"/>
-          </a:p>
-          <a:p>
-            <a:endParaRPr lang="en-CA" dirty="0"/>
           </a:p>
         </p:txBody>
       </p:sp>
     </p:spTree>
     <p:extLst>
       <p:ext uri="{BB962C8B-B14F-4D97-AF65-F5344CB8AC3E}">
-        <p14:creationId xmlns:p14="http://schemas.microsoft.com/office/powerpoint/2010/main" val="3445019402"/>
+        <p14:creationId xmlns:p14="http://schemas.microsoft.com/office/powerpoint/2010/main" val="3507418816"/>
       </p:ext>
     </p:extLst>
   </p:cSld>
@@ -12065,7 +12159,7 @@
   <a:extraClrSchemeLst/>
   <a:extLst>
     <a:ext uri="{05A4C25C-085E-4340-85A3-A5531E510DB2}">
-      <thm15:themeFamily xmlns="" xmlns:thm15="http://schemas.microsoft.com/office/thememl/2012/main" name="Presentation3" id="{21657555-9C8B-45A1-BF67-A2396392EDCA}" vid="{D1FF537B-FC25-4A93-B7FA-0CE276DF409B}"/>
+      <thm15:themeFamily xmlns:thm15="http://schemas.microsoft.com/office/thememl/2012/main" xmlns="" name="Presentation3" id="{21657555-9C8B-45A1-BF67-A2396392EDCA}" vid="{D1FF537B-FC25-4A93-B7FA-0CE276DF409B}"/>
     </a:ext>
   </a:extLst>
 </a:theme>
@@ -12326,7 +12420,7 @@
   <a:extraClrSchemeLst/>
   <a:extLst>
     <a:ext uri="{05A4C25C-085E-4340-85A3-A5531E510DB2}">
-      <thm15:themeFamily xmlns="" xmlns:thm15="http://schemas.microsoft.com/office/thememl/2012/main" name="Office Theme" id="{62F939B6-93AF-4DB8-9C6B-D6C7DFDC589F}" vid="{4A3C46E8-61CC-4603-A589-7422A47A8E4A}"/>
+      <thm15:themeFamily xmlns:thm15="http://schemas.microsoft.com/office/thememl/2012/main" xmlns="" name="Office Theme" id="{62F939B6-93AF-4DB8-9C6B-D6C7DFDC589F}" vid="{4A3C46E8-61CC-4603-A589-7422A47A8E4A}"/>
     </a:ext>
   </a:extLst>
 </a:theme>
